--- a/Docker進階.pptx
+++ b/Docker進階.pptx
@@ -6,16 +6,20 @@
     <p:sldMasterId id="2147483666" r:id="rId2"/>
   </p:sldMasterIdLst>
   <p:notesMasterIdLst>
-    <p:notesMasterId r:id="rId10"/>
+    <p:notesMasterId r:id="rId14"/>
   </p:notesMasterIdLst>
   <p:sldIdLst>
     <p:sldId id="256" r:id="rId3"/>
-    <p:sldId id="343" r:id="rId4"/>
-    <p:sldId id="341" r:id="rId5"/>
-    <p:sldId id="270" r:id="rId6"/>
-    <p:sldId id="356" r:id="rId7"/>
-    <p:sldId id="342" r:id="rId8"/>
+    <p:sldId id="341" r:id="rId4"/>
+    <p:sldId id="270" r:id="rId5"/>
+    <p:sldId id="356" r:id="rId6"/>
+    <p:sldId id="358" r:id="rId7"/>
+    <p:sldId id="357" r:id="rId8"/>
     <p:sldId id="275" r:id="rId9"/>
+    <p:sldId id="359" r:id="rId10"/>
+    <p:sldId id="360" r:id="rId11"/>
+    <p:sldId id="361" r:id="rId12"/>
+    <p:sldId id="362" r:id="rId13"/>
   </p:sldIdLst>
   <p:sldSz cx="13004800" cy="9753600"/>
   <p:notesSz cx="13004800" cy="9753600"/>
@@ -215,7 +219,7 @@
           <a:p>
             <a:fld id="{B7112B30-5644-497D-BEB2-D50DC512D3D8}" type="datetimeFigureOut">
               <a:rPr lang="zh-TW" altLang="en-US" smtClean="0"/>
-              <a:t>2020/11/13</a:t>
+              <a:t>2020/11/23</a:t>
             </a:fld>
             <a:endParaRPr lang="zh-TW" altLang="en-US"/>
           </a:p>
@@ -567,6 +571,90 @@
 </p:notes>
 </file>
 
+<file path=ppt/notesSlides/notesSlide10.xml><?xml version="1.0" encoding="utf-8"?>
+<p:notes xmlns:a="http://schemas.openxmlformats.org/drawingml/2006/main" xmlns:r="http://schemas.openxmlformats.org/officeDocument/2006/relationships" xmlns:p="http://schemas.openxmlformats.org/presentationml/2006/main">
+  <p:cSld>
+    <p:spTree>
+      <p:nvGrpSpPr>
+        <p:cNvPr id="1" name=""/>
+        <p:cNvGrpSpPr/>
+        <p:nvPr/>
+      </p:nvGrpSpPr>
+      <p:grpSpPr>
+        <a:xfrm>
+          <a:off x="0" y="0"/>
+          <a:ext cx="0" cy="0"/>
+          <a:chOff x="0" y="0"/>
+          <a:chExt cx="0" cy="0"/>
+        </a:xfrm>
+      </p:grpSpPr>
+      <p:sp>
+        <p:nvSpPr>
+          <p:cNvPr id="2" name="投影片圖像版面配置區 1"/>
+          <p:cNvSpPr>
+            <a:spLocks noGrp="1" noRot="1" noChangeAspect="1"/>
+          </p:cNvSpPr>
+          <p:nvPr>
+            <p:ph type="sldImg"/>
+          </p:nvPr>
+        </p:nvSpPr>
+        <p:spPr/>
+      </p:sp>
+      <p:sp>
+        <p:nvSpPr>
+          <p:cNvPr id="3" name="備忘稿版面配置區 2"/>
+          <p:cNvSpPr>
+            <a:spLocks noGrp="1"/>
+          </p:cNvSpPr>
+          <p:nvPr>
+            <p:ph type="body" idx="1"/>
+          </p:nvPr>
+        </p:nvSpPr>
+        <p:spPr/>
+        <p:txBody>
+          <a:bodyPr/>
+          <a:lstStyle/>
+          <a:p>
+            <a:endParaRPr lang="zh-TW" altLang="en-US" dirty="0"/>
+          </a:p>
+        </p:txBody>
+      </p:sp>
+      <p:sp>
+        <p:nvSpPr>
+          <p:cNvPr id="4" name="投影片編號版面配置區 3"/>
+          <p:cNvSpPr>
+            <a:spLocks noGrp="1"/>
+          </p:cNvSpPr>
+          <p:nvPr>
+            <p:ph type="sldNum" sz="quarter" idx="10"/>
+          </p:nvPr>
+        </p:nvSpPr>
+        <p:spPr/>
+        <p:txBody>
+          <a:bodyPr/>
+          <a:lstStyle/>
+          <a:p>
+            <a:fld id="{762C10F9-1313-4CC6-801B-630A787ADD62}" type="slidenum">
+              <a:rPr lang="zh-TW" altLang="en-US" smtClean="0"/>
+              <a:t>11</a:t>
+            </a:fld>
+            <a:endParaRPr lang="zh-TW" altLang="en-US"/>
+          </a:p>
+        </p:txBody>
+      </p:sp>
+    </p:spTree>
+    <p:extLst>
+      <p:ext uri="{BB962C8B-B14F-4D97-AF65-F5344CB8AC3E}">
+        <p14:creationId xmlns:p14="http://schemas.microsoft.com/office/powerpoint/2010/main" val="2322893613"/>
+      </p:ext>
+    </p:extLst>
+  </p:cSld>
+  <p:clrMapOvr>
+    <a:masterClrMapping/>
+  </p:clrMapOvr>
+</p:notes>
+</file>
+
 <file path=ppt/notesSlides/notesSlide2.xml><?xml version="1.0" encoding="utf-8"?>
 <p:notes xmlns:a="http://schemas.openxmlformats.org/drawingml/2006/main" xmlns:r="http://schemas.openxmlformats.org/officeDocument/2006/relationships" xmlns:p="http://schemas.openxmlformats.org/presentationml/2006/main">
   <p:cSld>
@@ -618,54 +706,6 @@
         <p:txBody>
           <a:bodyPr/>
           <a:lstStyle/>
-          <a:p>
-            <a:pPr marL="0" marR="0" lvl="0" indent="0" algn="l" defTabSz="0" rtl="0" eaLnBrk="0" fontAlgn="base" latinLnBrk="0" hangingPunct="0">
-              <a:lnSpc>
-                <a:spcPct val="100000"/>
-              </a:lnSpc>
-              <a:spcBef>
-                <a:spcPct val="30000"/>
-              </a:spcBef>
-              <a:spcAft>
-                <a:spcPct val="0"/>
-              </a:spcAft>
-              <a:buClrTx/>
-              <a:buSzTx/>
-              <a:buFontTx/>
-              <a:buNone/>
-              <a:tabLst/>
-              <a:defRPr/>
-            </a:pPr>
-            <a:r>
-              <a:rPr lang="zh-TW" altLang="en-US" sz="1200" dirty="0" smtClean="0"/>
-              <a:t>本頁請列舉並說明</a:t>
-            </a:r>
-            <a:r>
-              <a:rPr lang="en-US" altLang="zh-TW" sz="1200" dirty="0" smtClean="0"/>
-              <a:t>2020</a:t>
-            </a:r>
-            <a:r>
-              <a:rPr lang="zh-TW" altLang="en-US" sz="1200" dirty="0" smtClean="0"/>
-              <a:t>會有什麼跟之前不一樣的計畫</a:t>
-            </a:r>
-            <a:r>
-              <a:rPr lang="en-US" altLang="zh-TW" sz="1200" dirty="0" smtClean="0"/>
-              <a:t>?</a:t>
-            </a:r>
-            <a:r>
-              <a:rPr lang="zh-TW" altLang="en-US" sz="1200" dirty="0" smtClean="0"/>
-              <a:t>包括新產品、新技能培養</a:t>
-            </a:r>
-            <a:r>
-              <a:rPr lang="en-US" altLang="zh-TW" sz="1200" dirty="0" smtClean="0"/>
-              <a:t>……</a:t>
-            </a:r>
-            <a:r>
-              <a:rPr lang="en-US" altLang="zh-TW" sz="1200" dirty="0" err="1" smtClean="0"/>
-              <a:t>etc</a:t>
-            </a:r>
-            <a:endParaRPr lang="en-US" altLang="zh-TW" sz="1200" dirty="0" smtClean="0"/>
-          </a:p>
           <a:p>
             <a:endParaRPr lang="zh-TW" altLang="en-US" dirty="0"/>
           </a:p>
@@ -735,7 +775,7 @@
                 <a:tabLst/>
                 <a:defRPr/>
               </a:pPr>
-              <a:t>2020/11/13</a:t>
+              <a:t>2020/11/23</a:t>
             </a:fld>
             <a:endParaRPr kumimoji="0" lang="zh-TW" altLang="en-US" sz="1200" b="0" i="0" u="none" strike="noStrike" kern="1200" cap="none" spc="0" normalizeH="0" baseline="0" noProof="0">
               <a:ln>
@@ -840,7 +880,7 @@
     </p:spTree>
     <p:extLst>
       <p:ext uri="{BB962C8B-B14F-4D97-AF65-F5344CB8AC3E}">
-        <p14:creationId xmlns:p14="http://schemas.microsoft.com/office/powerpoint/2010/main" val="2938275099"/>
+        <p14:creationId xmlns:p14="http://schemas.microsoft.com/office/powerpoint/2010/main" val="2765330982"/>
       </p:ext>
     </p:extLst>
   </p:cSld>
@@ -902,54 +942,6 @@
           <a:bodyPr/>
           <a:lstStyle/>
           <a:p>
-            <a:pPr marL="0" marR="0" lvl="0" indent="0" algn="l" defTabSz="0" rtl="0" eaLnBrk="0" fontAlgn="base" latinLnBrk="0" hangingPunct="0">
-              <a:lnSpc>
-                <a:spcPct val="100000"/>
-              </a:lnSpc>
-              <a:spcBef>
-                <a:spcPct val="30000"/>
-              </a:spcBef>
-              <a:spcAft>
-                <a:spcPct val="0"/>
-              </a:spcAft>
-              <a:buClrTx/>
-              <a:buSzTx/>
-              <a:buFontTx/>
-              <a:buNone/>
-              <a:tabLst/>
-              <a:defRPr/>
-            </a:pPr>
-            <a:r>
-              <a:rPr lang="zh-TW" altLang="en-US" sz="1200" dirty="0" smtClean="0"/>
-              <a:t>本頁請列舉並說明</a:t>
-            </a:r>
-            <a:r>
-              <a:rPr lang="en-US" altLang="zh-TW" sz="1200" dirty="0" smtClean="0"/>
-              <a:t>2020</a:t>
-            </a:r>
-            <a:r>
-              <a:rPr lang="zh-TW" altLang="en-US" sz="1200" dirty="0" smtClean="0"/>
-              <a:t>會有什麼跟之前不一樣的計畫</a:t>
-            </a:r>
-            <a:r>
-              <a:rPr lang="en-US" altLang="zh-TW" sz="1200" dirty="0" smtClean="0"/>
-              <a:t>?</a:t>
-            </a:r>
-            <a:r>
-              <a:rPr lang="zh-TW" altLang="en-US" sz="1200" dirty="0" smtClean="0"/>
-              <a:t>包括新產品、新技能培養</a:t>
-            </a:r>
-            <a:r>
-              <a:rPr lang="en-US" altLang="zh-TW" sz="1200" dirty="0" smtClean="0"/>
-              <a:t>……</a:t>
-            </a:r>
-            <a:r>
-              <a:rPr lang="en-US" altLang="zh-TW" sz="1200" dirty="0" err="1" smtClean="0"/>
-              <a:t>etc</a:t>
-            </a:r>
-            <a:endParaRPr lang="en-US" altLang="zh-TW" sz="1200" dirty="0" smtClean="0"/>
-          </a:p>
-          <a:p>
             <a:endParaRPr lang="zh-TW" altLang="en-US" dirty="0"/>
           </a:p>
         </p:txBody>
@@ -1018,7 +1010,7 @@
                 <a:tabLst/>
                 <a:defRPr/>
               </a:pPr>
-              <a:t>2020/11/13</a:t>
+              <a:t>2020/11/23</a:t>
             </a:fld>
             <a:endParaRPr kumimoji="0" lang="zh-TW" altLang="en-US" sz="1200" b="0" i="0" u="none" strike="noStrike" kern="1200" cap="none" spc="0" normalizeH="0" baseline="0" noProof="0">
               <a:ln>
@@ -1101,7 +1093,7 @@
                 <a:tabLst/>
                 <a:defRPr/>
               </a:pPr>
-              <a:t>3</a:t>
+              <a:t>4</a:t>
             </a:fld>
             <a:endParaRPr kumimoji="0" lang="zh-TW" altLang="zh-CN" sz="1200" b="0" i="0" u="none" strike="noStrike" kern="1200" cap="none" spc="0" normalizeH="0" baseline="0" noProof="0">
               <a:ln>
@@ -1123,7 +1115,7 @@
     </p:spTree>
     <p:extLst>
       <p:ext uri="{BB962C8B-B14F-4D97-AF65-F5344CB8AC3E}">
-        <p14:creationId xmlns:p14="http://schemas.microsoft.com/office/powerpoint/2010/main" val="2765330982"/>
+        <p14:creationId xmlns:p14="http://schemas.microsoft.com/office/powerpoint/2010/main" val="150013085"/>
       </p:ext>
     </p:extLst>
   </p:cSld>
@@ -1301,7 +1293,7 @@
                 <a:tabLst/>
                 <a:defRPr/>
               </a:pPr>
-              <a:t>2020/11/13</a:t>
+              <a:t>2020/11/23</a:t>
             </a:fld>
             <a:endParaRPr kumimoji="0" lang="zh-TW" altLang="en-US" sz="1200" b="0" i="0" u="none" strike="noStrike" kern="1200" cap="none" spc="0" normalizeH="0" baseline="0" noProof="0">
               <a:ln>
@@ -1406,7 +1398,7 @@
     </p:spTree>
     <p:extLst>
       <p:ext uri="{BB962C8B-B14F-4D97-AF65-F5344CB8AC3E}">
-        <p14:creationId xmlns:p14="http://schemas.microsoft.com/office/powerpoint/2010/main" val="150013085"/>
+        <p14:creationId xmlns:p14="http://schemas.microsoft.com/office/powerpoint/2010/main" val="3839390055"/>
       </p:ext>
     </p:extLst>
   </p:cSld>
@@ -1548,7 +1540,7 @@
                 <a:tabLst/>
                 <a:defRPr/>
               </a:pPr>
-              <a:t>2020/11/13</a:t>
+              <a:t>2020/11/23</a:t>
             </a:fld>
             <a:endParaRPr kumimoji="0" lang="zh-TW" altLang="en-US" sz="1200" b="0" i="0" u="none" strike="noStrike" kern="1200" cap="none" spc="0" normalizeH="0" baseline="0" noProof="0">
               <a:ln>
@@ -1653,7 +1645,7 @@
     </p:spTree>
     <p:extLst>
       <p:ext uri="{BB962C8B-B14F-4D97-AF65-F5344CB8AC3E}">
-        <p14:creationId xmlns:p14="http://schemas.microsoft.com/office/powerpoint/2010/main" val="1696575695"/>
+        <p14:creationId xmlns:p14="http://schemas.microsoft.com/office/powerpoint/2010/main" val="2736735037"/>
       </p:ext>
     </p:extLst>
   </p:cSld>
@@ -1708,8 +1700,8 @@
           <a:lstStyle/>
           <a:p>
             <a:r>
-              <a:rPr lang="en-US" altLang="zh-TW" dirty="0" smtClean="0"/>
-              <a:t>https://docs.docker.com/engine/reference/commandline/docker/</a:t>
+              <a:rPr lang="en-US" altLang="zh-TW" smtClean="0"/>
+              <a:t>https://docs.docker.com/compose/reference/overview/</a:t>
             </a:r>
             <a:endParaRPr lang="zh-TW" altLang="en-US" dirty="0"/>
           </a:p>
@@ -1742,6 +1734,930 @@
     <p:extLst>
       <p:ext uri="{BB962C8B-B14F-4D97-AF65-F5344CB8AC3E}">
         <p14:creationId xmlns:p14="http://schemas.microsoft.com/office/powerpoint/2010/main" val="1074515291"/>
+      </p:ext>
+    </p:extLst>
+  </p:cSld>
+  <p:clrMapOvr>
+    <a:masterClrMapping/>
+  </p:clrMapOvr>
+</p:notes>
+</file>
+
+<file path=ppt/notesSlides/notesSlide7.xml><?xml version="1.0" encoding="utf-8"?>
+<p:notes xmlns:a="http://schemas.openxmlformats.org/drawingml/2006/main" xmlns:r="http://schemas.openxmlformats.org/officeDocument/2006/relationships" xmlns:p="http://schemas.openxmlformats.org/presentationml/2006/main">
+  <p:cSld>
+    <p:spTree>
+      <p:nvGrpSpPr>
+        <p:cNvPr id="1" name=""/>
+        <p:cNvGrpSpPr/>
+        <p:nvPr/>
+      </p:nvGrpSpPr>
+      <p:grpSpPr>
+        <a:xfrm>
+          <a:off x="0" y="0"/>
+          <a:ext cx="0" cy="0"/>
+          <a:chOff x="0" y="0"/>
+          <a:chExt cx="0" cy="0"/>
+        </a:xfrm>
+      </p:grpSpPr>
+      <p:sp>
+        <p:nvSpPr>
+          <p:cNvPr id="2" name="投影片圖像版面配置區 1"/>
+          <p:cNvSpPr>
+            <a:spLocks noGrp="1" noRot="1" noChangeAspect="1"/>
+          </p:cNvSpPr>
+          <p:nvPr>
+            <p:ph type="sldImg"/>
+          </p:nvPr>
+        </p:nvSpPr>
+        <p:spPr/>
+      </p:sp>
+      <p:sp>
+        <p:nvSpPr>
+          <p:cNvPr id="3" name="備忘稿版面配置區 2"/>
+          <p:cNvSpPr>
+            <a:spLocks noGrp="1"/>
+          </p:cNvSpPr>
+          <p:nvPr>
+            <p:ph type="body" idx="1"/>
+          </p:nvPr>
+        </p:nvSpPr>
+        <p:spPr/>
+        <p:txBody>
+          <a:bodyPr/>
+          <a:lstStyle/>
+          <a:p>
+            <a:r>
+              <a:rPr lang="en-US" altLang="zh-TW" dirty="0" smtClean="0"/>
+              <a:t>https://github.com/new</a:t>
+            </a:r>
+            <a:endParaRPr lang="zh-TW" altLang="en-US" dirty="0"/>
+          </a:p>
+        </p:txBody>
+      </p:sp>
+      <p:sp>
+        <p:nvSpPr>
+          <p:cNvPr id="4" name="投影片編號版面配置區 3"/>
+          <p:cNvSpPr>
+            <a:spLocks noGrp="1"/>
+          </p:cNvSpPr>
+          <p:nvPr>
+            <p:ph type="sldNum" sz="quarter" idx="10"/>
+          </p:nvPr>
+        </p:nvSpPr>
+        <p:spPr/>
+        <p:txBody>
+          <a:bodyPr/>
+          <a:lstStyle/>
+          <a:p>
+            <a:fld id="{762C10F9-1313-4CC6-801B-630A787ADD62}" type="slidenum">
+              <a:rPr lang="zh-TW" altLang="en-US" smtClean="0"/>
+              <a:t>8</a:t>
+            </a:fld>
+            <a:endParaRPr lang="zh-TW" altLang="en-US"/>
+          </a:p>
+        </p:txBody>
+      </p:sp>
+    </p:spTree>
+    <p:extLst>
+      <p:ext uri="{BB962C8B-B14F-4D97-AF65-F5344CB8AC3E}">
+        <p14:creationId xmlns:p14="http://schemas.microsoft.com/office/powerpoint/2010/main" val="3190087094"/>
+      </p:ext>
+    </p:extLst>
+  </p:cSld>
+  <p:clrMapOvr>
+    <a:masterClrMapping/>
+  </p:clrMapOvr>
+</p:notes>
+</file>
+
+<file path=ppt/notesSlides/notesSlide8.xml><?xml version="1.0" encoding="utf-8"?>
+<p:notes xmlns:a="http://schemas.openxmlformats.org/drawingml/2006/main" xmlns:r="http://schemas.openxmlformats.org/officeDocument/2006/relationships" xmlns:p="http://schemas.openxmlformats.org/presentationml/2006/main">
+  <p:cSld>
+    <p:spTree>
+      <p:nvGrpSpPr>
+        <p:cNvPr id="1" name=""/>
+        <p:cNvGrpSpPr/>
+        <p:nvPr/>
+      </p:nvGrpSpPr>
+      <p:grpSpPr>
+        <a:xfrm>
+          <a:off x="0" y="0"/>
+          <a:ext cx="0" cy="0"/>
+          <a:chOff x="0" y="0"/>
+          <a:chExt cx="0" cy="0"/>
+        </a:xfrm>
+      </p:grpSpPr>
+      <p:sp>
+        <p:nvSpPr>
+          <p:cNvPr id="2" name="投影片圖像版面配置區 1"/>
+          <p:cNvSpPr>
+            <a:spLocks noGrp="1" noRot="1" noChangeAspect="1"/>
+          </p:cNvSpPr>
+          <p:nvPr>
+            <p:ph type="sldImg"/>
+          </p:nvPr>
+        </p:nvSpPr>
+        <p:spPr/>
+      </p:sp>
+      <p:sp>
+        <p:nvSpPr>
+          <p:cNvPr id="3" name="備忘稿版面配置區 2"/>
+          <p:cNvSpPr>
+            <a:spLocks noGrp="1"/>
+          </p:cNvSpPr>
+          <p:nvPr>
+            <p:ph type="body" idx="1"/>
+          </p:nvPr>
+        </p:nvSpPr>
+        <p:spPr/>
+        <p:txBody>
+          <a:bodyPr/>
+          <a:lstStyle/>
+          <a:p>
+            <a:r>
+              <a:rPr lang="en-US" altLang="zh-TW" sz="1200" b="1" i="0" kern="1200" dirty="0" smtClean="0">
+                <a:solidFill>
+                  <a:schemeClr val="tx1"/>
+                </a:solidFill>
+                <a:effectLst/>
+                <a:latin typeface="+mn-lt"/>
+                <a:ea typeface="+mn-ea"/>
+                <a:cs typeface="+mn-cs"/>
+              </a:rPr>
+              <a:t>A new repo from an existing project</a:t>
+            </a:r>
+          </a:p>
+          <a:p>
+            <a:r>
+              <a:rPr lang="en-US" altLang="zh-TW" sz="1200" b="0" i="0" kern="1200" dirty="0" smtClean="0">
+                <a:solidFill>
+                  <a:schemeClr val="tx1"/>
+                </a:solidFill>
+                <a:effectLst/>
+                <a:latin typeface="+mn-lt"/>
+                <a:ea typeface="+mn-ea"/>
+                <a:cs typeface="+mn-cs"/>
+              </a:rPr>
+              <a:t>Say you’ve got an existing project that you want to start tracking with </a:t>
+            </a:r>
+            <a:r>
+              <a:rPr lang="en-US" altLang="zh-TW" sz="1200" b="0" i="0" kern="1200" dirty="0" err="1" smtClean="0">
+                <a:solidFill>
+                  <a:schemeClr val="tx1"/>
+                </a:solidFill>
+                <a:effectLst/>
+                <a:latin typeface="+mn-lt"/>
+                <a:ea typeface="+mn-ea"/>
+                <a:cs typeface="+mn-cs"/>
+              </a:rPr>
+              <a:t>git</a:t>
+            </a:r>
+            <a:r>
+              <a:rPr lang="en-US" altLang="zh-TW" sz="1200" b="0" i="0" kern="1200" dirty="0" smtClean="0">
+                <a:solidFill>
+                  <a:schemeClr val="tx1"/>
+                </a:solidFill>
+                <a:effectLst/>
+                <a:latin typeface="+mn-lt"/>
+                <a:ea typeface="+mn-ea"/>
+                <a:cs typeface="+mn-cs"/>
+              </a:rPr>
+              <a:t>.</a:t>
+            </a:r>
+          </a:p>
+          <a:p>
+            <a:endParaRPr lang="en-US" altLang="zh-TW" sz="1200" b="0" i="0" kern="1200" dirty="0" smtClean="0">
+              <a:solidFill>
+                <a:schemeClr val="tx1"/>
+              </a:solidFill>
+              <a:effectLst/>
+              <a:latin typeface="+mn-lt"/>
+              <a:ea typeface="+mn-ea"/>
+              <a:cs typeface="+mn-cs"/>
+            </a:endParaRPr>
+          </a:p>
+          <a:p>
+            <a:r>
+              <a:rPr lang="en-US" altLang="zh-TW" sz="1200" b="0" i="0" kern="1200" dirty="0" smtClean="0">
+                <a:solidFill>
+                  <a:schemeClr val="tx1"/>
+                </a:solidFill>
+                <a:effectLst/>
+                <a:latin typeface="+mn-lt"/>
+                <a:ea typeface="+mn-ea"/>
+                <a:cs typeface="+mn-cs"/>
+              </a:rPr>
+              <a:t>Go into the directory containing the project.</a:t>
+            </a:r>
+          </a:p>
+          <a:p>
+            <a:r>
+              <a:rPr lang="en-US" altLang="zh-TW" sz="1200" b="0" i="0" kern="1200" dirty="0" smtClean="0">
+                <a:solidFill>
+                  <a:schemeClr val="tx1"/>
+                </a:solidFill>
+                <a:effectLst/>
+                <a:latin typeface="+mn-lt"/>
+                <a:ea typeface="+mn-ea"/>
+                <a:cs typeface="+mn-cs"/>
+              </a:rPr>
+              <a:t>Type </a:t>
+            </a:r>
+            <a:r>
+              <a:rPr lang="en-US" altLang="zh-TW" sz="1200" b="0" i="0" kern="1200" dirty="0" err="1" smtClean="0">
+                <a:solidFill>
+                  <a:schemeClr val="tx1"/>
+                </a:solidFill>
+                <a:effectLst/>
+                <a:latin typeface="+mn-lt"/>
+                <a:ea typeface="+mn-ea"/>
+                <a:cs typeface="+mn-cs"/>
+              </a:rPr>
+              <a:t>git</a:t>
+            </a:r>
+            <a:r>
+              <a:rPr lang="en-US" altLang="zh-TW" sz="1200" b="0" i="0" kern="1200" dirty="0" smtClean="0">
+                <a:solidFill>
+                  <a:schemeClr val="tx1"/>
+                </a:solidFill>
+                <a:effectLst/>
+                <a:latin typeface="+mn-lt"/>
+                <a:ea typeface="+mn-ea"/>
+                <a:cs typeface="+mn-cs"/>
+              </a:rPr>
+              <a:t> </a:t>
+            </a:r>
+            <a:r>
+              <a:rPr lang="en-US" altLang="zh-TW" sz="1200" b="0" i="0" kern="1200" dirty="0" err="1" smtClean="0">
+                <a:solidFill>
+                  <a:schemeClr val="tx1"/>
+                </a:solidFill>
+                <a:effectLst/>
+                <a:latin typeface="+mn-lt"/>
+                <a:ea typeface="+mn-ea"/>
+                <a:cs typeface="+mn-cs"/>
+              </a:rPr>
+              <a:t>init.</a:t>
+            </a:r>
+            <a:endParaRPr lang="en-US" altLang="zh-TW" sz="1200" b="0" i="0" kern="1200" dirty="0" smtClean="0">
+              <a:solidFill>
+                <a:schemeClr val="tx1"/>
+              </a:solidFill>
+              <a:effectLst/>
+              <a:latin typeface="+mn-lt"/>
+              <a:ea typeface="+mn-ea"/>
+              <a:cs typeface="+mn-cs"/>
+            </a:endParaRPr>
+          </a:p>
+          <a:p>
+            <a:r>
+              <a:rPr lang="en-US" altLang="zh-TW" sz="1200" b="0" i="0" kern="1200" dirty="0" smtClean="0">
+                <a:solidFill>
+                  <a:schemeClr val="tx1"/>
+                </a:solidFill>
+                <a:effectLst/>
+                <a:latin typeface="+mn-lt"/>
+                <a:ea typeface="+mn-ea"/>
+                <a:cs typeface="+mn-cs"/>
+              </a:rPr>
+              <a:t>Type </a:t>
+            </a:r>
+            <a:r>
+              <a:rPr lang="en-US" altLang="zh-TW" sz="1200" b="0" i="0" kern="1200" dirty="0" err="1" smtClean="0">
+                <a:solidFill>
+                  <a:schemeClr val="tx1"/>
+                </a:solidFill>
+                <a:effectLst/>
+                <a:latin typeface="+mn-lt"/>
+                <a:ea typeface="+mn-ea"/>
+                <a:cs typeface="+mn-cs"/>
+              </a:rPr>
+              <a:t>git</a:t>
+            </a:r>
+            <a:r>
+              <a:rPr lang="en-US" altLang="zh-TW" sz="1200" b="0" i="0" kern="1200" dirty="0" smtClean="0">
+                <a:solidFill>
+                  <a:schemeClr val="tx1"/>
+                </a:solidFill>
+                <a:effectLst/>
+                <a:latin typeface="+mn-lt"/>
+                <a:ea typeface="+mn-ea"/>
+                <a:cs typeface="+mn-cs"/>
+              </a:rPr>
+              <a:t> add to add all of the relevant files.</a:t>
+            </a:r>
+          </a:p>
+          <a:p>
+            <a:r>
+              <a:rPr lang="en-US" altLang="zh-TW" sz="1200" b="0" i="0" kern="1200" dirty="0" smtClean="0">
+                <a:solidFill>
+                  <a:schemeClr val="tx1"/>
+                </a:solidFill>
+                <a:effectLst/>
+                <a:latin typeface="+mn-lt"/>
+                <a:ea typeface="+mn-ea"/>
+                <a:cs typeface="+mn-cs"/>
+              </a:rPr>
+              <a:t>You’ll probably want to create a .</a:t>
+            </a:r>
+            <a:r>
+              <a:rPr lang="en-US" altLang="zh-TW" sz="1200" b="0" i="0" kern="1200" dirty="0" err="1" smtClean="0">
+                <a:solidFill>
+                  <a:schemeClr val="tx1"/>
+                </a:solidFill>
+                <a:effectLst/>
+                <a:latin typeface="+mn-lt"/>
+                <a:ea typeface="+mn-ea"/>
+                <a:cs typeface="+mn-cs"/>
+              </a:rPr>
+              <a:t>gitignore</a:t>
+            </a:r>
+            <a:r>
+              <a:rPr lang="en-US" altLang="zh-TW" sz="1200" b="0" i="0" kern="1200" dirty="0" smtClean="0">
+                <a:solidFill>
+                  <a:schemeClr val="tx1"/>
+                </a:solidFill>
+                <a:effectLst/>
+                <a:latin typeface="+mn-lt"/>
+                <a:ea typeface="+mn-ea"/>
+                <a:cs typeface="+mn-cs"/>
+              </a:rPr>
+              <a:t> file right away, to indicate all of the files you don’t want to track. Use </a:t>
+            </a:r>
+            <a:r>
+              <a:rPr lang="en-US" altLang="zh-TW" sz="1200" b="0" i="0" kern="1200" dirty="0" err="1" smtClean="0">
+                <a:solidFill>
+                  <a:schemeClr val="tx1"/>
+                </a:solidFill>
+                <a:effectLst/>
+                <a:latin typeface="+mn-lt"/>
+                <a:ea typeface="+mn-ea"/>
+                <a:cs typeface="+mn-cs"/>
+              </a:rPr>
+              <a:t>git</a:t>
+            </a:r>
+            <a:r>
+              <a:rPr lang="en-US" altLang="zh-TW" sz="1200" b="0" i="0" kern="1200" dirty="0" smtClean="0">
+                <a:solidFill>
+                  <a:schemeClr val="tx1"/>
+                </a:solidFill>
+                <a:effectLst/>
+                <a:latin typeface="+mn-lt"/>
+                <a:ea typeface="+mn-ea"/>
+                <a:cs typeface="+mn-cs"/>
+              </a:rPr>
+              <a:t> add .</a:t>
+            </a:r>
+            <a:r>
+              <a:rPr lang="en-US" altLang="zh-TW" sz="1200" b="0" i="0" kern="1200" dirty="0" err="1" smtClean="0">
+                <a:solidFill>
+                  <a:schemeClr val="tx1"/>
+                </a:solidFill>
+                <a:effectLst/>
+                <a:latin typeface="+mn-lt"/>
+                <a:ea typeface="+mn-ea"/>
+                <a:cs typeface="+mn-cs"/>
+              </a:rPr>
+              <a:t>gitignore</a:t>
+            </a:r>
+            <a:r>
+              <a:rPr lang="en-US" altLang="zh-TW" sz="1200" b="0" i="0" kern="1200" dirty="0" smtClean="0">
+                <a:solidFill>
+                  <a:schemeClr val="tx1"/>
+                </a:solidFill>
+                <a:effectLst/>
+                <a:latin typeface="+mn-lt"/>
+                <a:ea typeface="+mn-ea"/>
+                <a:cs typeface="+mn-cs"/>
+              </a:rPr>
+              <a:t>, too.</a:t>
+            </a:r>
+          </a:p>
+          <a:p>
+            <a:r>
+              <a:rPr lang="en-US" altLang="zh-TW" sz="1200" b="0" i="0" kern="1200" dirty="0" smtClean="0">
+                <a:solidFill>
+                  <a:schemeClr val="tx1"/>
+                </a:solidFill>
+                <a:effectLst/>
+                <a:latin typeface="+mn-lt"/>
+                <a:ea typeface="+mn-ea"/>
+                <a:cs typeface="+mn-cs"/>
+              </a:rPr>
+              <a:t>Type </a:t>
+            </a:r>
+            <a:r>
+              <a:rPr lang="en-US" altLang="zh-TW" sz="1200" b="0" i="0" kern="1200" dirty="0" err="1" smtClean="0">
+                <a:solidFill>
+                  <a:schemeClr val="tx1"/>
+                </a:solidFill>
+                <a:effectLst/>
+                <a:latin typeface="+mn-lt"/>
+                <a:ea typeface="+mn-ea"/>
+                <a:cs typeface="+mn-cs"/>
+              </a:rPr>
+              <a:t>git</a:t>
+            </a:r>
+            <a:r>
+              <a:rPr lang="en-US" altLang="zh-TW" sz="1200" b="0" i="0" kern="1200" dirty="0" smtClean="0">
+                <a:solidFill>
+                  <a:schemeClr val="tx1"/>
+                </a:solidFill>
+                <a:effectLst/>
+                <a:latin typeface="+mn-lt"/>
+                <a:ea typeface="+mn-ea"/>
+                <a:cs typeface="+mn-cs"/>
+              </a:rPr>
+              <a:t> commit.</a:t>
+            </a:r>
+          </a:p>
+          <a:p>
+            <a:endParaRPr lang="en-US" altLang="zh-TW" sz="1200" b="0" i="0" kern="1200" dirty="0" smtClean="0">
+              <a:solidFill>
+                <a:schemeClr val="tx1"/>
+              </a:solidFill>
+              <a:effectLst/>
+              <a:latin typeface="+mn-lt"/>
+              <a:ea typeface="+mn-ea"/>
+              <a:cs typeface="+mn-cs"/>
+            </a:endParaRPr>
+          </a:p>
+          <a:p>
+            <a:r>
+              <a:rPr lang="en-US" altLang="zh-TW" sz="1200" b="1" i="0" kern="1200" dirty="0" smtClean="0">
+                <a:solidFill>
+                  <a:schemeClr val="tx1"/>
+                </a:solidFill>
+                <a:effectLst/>
+                <a:latin typeface="+mn-lt"/>
+                <a:ea typeface="+mn-ea"/>
+                <a:cs typeface="+mn-cs"/>
+              </a:rPr>
+              <a:t>Connect it to </a:t>
+            </a:r>
+            <a:r>
+              <a:rPr lang="en-US" altLang="zh-TW" sz="1200" b="1" i="0" kern="1200" dirty="0" err="1" smtClean="0">
+                <a:solidFill>
+                  <a:schemeClr val="tx1"/>
+                </a:solidFill>
+                <a:effectLst/>
+                <a:latin typeface="+mn-lt"/>
+                <a:ea typeface="+mn-ea"/>
+                <a:cs typeface="+mn-cs"/>
+              </a:rPr>
+              <a:t>github</a:t>
+            </a:r>
+            <a:endParaRPr lang="en-US" altLang="zh-TW" sz="1200" b="1" i="0" kern="1200" dirty="0" smtClean="0">
+              <a:solidFill>
+                <a:schemeClr val="tx1"/>
+              </a:solidFill>
+              <a:effectLst/>
+              <a:latin typeface="+mn-lt"/>
+              <a:ea typeface="+mn-ea"/>
+              <a:cs typeface="+mn-cs"/>
+            </a:endParaRPr>
+          </a:p>
+          <a:p>
+            <a:r>
+              <a:rPr lang="en-US" altLang="zh-TW" sz="1200" b="0" i="0" kern="1200" dirty="0" smtClean="0">
+                <a:solidFill>
+                  <a:schemeClr val="tx1"/>
+                </a:solidFill>
+                <a:effectLst/>
+                <a:latin typeface="+mn-lt"/>
+                <a:ea typeface="+mn-ea"/>
+                <a:cs typeface="+mn-cs"/>
+              </a:rPr>
+              <a:t>You’ve now got a local </a:t>
+            </a:r>
+            <a:r>
+              <a:rPr lang="en-US" altLang="zh-TW" sz="1200" b="0" i="0" kern="1200" dirty="0" err="1" smtClean="0">
+                <a:solidFill>
+                  <a:schemeClr val="tx1"/>
+                </a:solidFill>
+                <a:effectLst/>
+                <a:latin typeface="+mn-lt"/>
+                <a:ea typeface="+mn-ea"/>
+                <a:cs typeface="+mn-cs"/>
+              </a:rPr>
+              <a:t>git</a:t>
+            </a:r>
+            <a:r>
+              <a:rPr lang="en-US" altLang="zh-TW" sz="1200" b="0" i="0" kern="1200" dirty="0" smtClean="0">
+                <a:solidFill>
+                  <a:schemeClr val="tx1"/>
+                </a:solidFill>
+                <a:effectLst/>
+                <a:latin typeface="+mn-lt"/>
+                <a:ea typeface="+mn-ea"/>
+                <a:cs typeface="+mn-cs"/>
+              </a:rPr>
+              <a:t> repository. You can use </a:t>
+            </a:r>
+            <a:r>
+              <a:rPr lang="en-US" altLang="zh-TW" sz="1200" b="0" i="0" kern="1200" dirty="0" err="1" smtClean="0">
+                <a:solidFill>
+                  <a:schemeClr val="tx1"/>
+                </a:solidFill>
+                <a:effectLst/>
+                <a:latin typeface="+mn-lt"/>
+                <a:ea typeface="+mn-ea"/>
+                <a:cs typeface="+mn-cs"/>
+              </a:rPr>
+              <a:t>git</a:t>
+            </a:r>
+            <a:r>
+              <a:rPr lang="en-US" altLang="zh-TW" sz="1200" b="0" i="0" kern="1200" dirty="0" smtClean="0">
+                <a:solidFill>
+                  <a:schemeClr val="tx1"/>
+                </a:solidFill>
+                <a:effectLst/>
+                <a:latin typeface="+mn-lt"/>
+                <a:ea typeface="+mn-ea"/>
+                <a:cs typeface="+mn-cs"/>
+              </a:rPr>
+              <a:t> locally, like that, if you want. But if you want the thing to have a home on </a:t>
+            </a:r>
+            <a:r>
+              <a:rPr lang="en-US" altLang="zh-TW" sz="1200" b="0" i="0" kern="1200" dirty="0" err="1" smtClean="0">
+                <a:solidFill>
+                  <a:schemeClr val="tx1"/>
+                </a:solidFill>
+                <a:effectLst/>
+                <a:latin typeface="+mn-lt"/>
+                <a:ea typeface="+mn-ea"/>
+                <a:cs typeface="+mn-cs"/>
+              </a:rPr>
+              <a:t>github</a:t>
+            </a:r>
+            <a:r>
+              <a:rPr lang="en-US" altLang="zh-TW" sz="1200" b="0" i="0" kern="1200" dirty="0" smtClean="0">
+                <a:solidFill>
+                  <a:schemeClr val="tx1"/>
+                </a:solidFill>
+                <a:effectLst/>
+                <a:latin typeface="+mn-lt"/>
+                <a:ea typeface="+mn-ea"/>
+                <a:cs typeface="+mn-cs"/>
+              </a:rPr>
+              <a:t>, do the following.</a:t>
+            </a:r>
+          </a:p>
+          <a:p>
+            <a:r>
+              <a:rPr lang="en-US" altLang="zh-TW" sz="1200" b="0" i="0" kern="1200" dirty="0" smtClean="0">
+                <a:solidFill>
+                  <a:schemeClr val="tx1"/>
+                </a:solidFill>
+                <a:effectLst/>
+                <a:latin typeface="+mn-lt"/>
+                <a:ea typeface="+mn-ea"/>
+                <a:cs typeface="+mn-cs"/>
+              </a:rPr>
+              <a:t>Go to </a:t>
+            </a:r>
+            <a:r>
+              <a:rPr lang="en-US" altLang="zh-TW" sz="1200" b="0" i="0" u="none" strike="noStrike" kern="1200" dirty="0" err="1" smtClean="0">
+                <a:solidFill>
+                  <a:schemeClr val="tx1"/>
+                </a:solidFill>
+                <a:effectLst/>
+                <a:latin typeface="+mn-lt"/>
+                <a:ea typeface="+mn-ea"/>
+                <a:cs typeface="+mn-cs"/>
+                <a:hlinkClick r:id="rId3"/>
+              </a:rPr>
+              <a:t>github</a:t>
+            </a:r>
+            <a:r>
+              <a:rPr lang="en-US" altLang="zh-TW" sz="1200" b="0" i="0" kern="1200" dirty="0" smtClean="0">
+                <a:solidFill>
+                  <a:schemeClr val="tx1"/>
+                </a:solidFill>
+                <a:effectLst/>
+                <a:latin typeface="+mn-lt"/>
+                <a:ea typeface="+mn-ea"/>
+                <a:cs typeface="+mn-cs"/>
+              </a:rPr>
+              <a:t>.</a:t>
+            </a:r>
+          </a:p>
+          <a:p>
+            <a:r>
+              <a:rPr lang="en-US" altLang="zh-TW" sz="1200" b="0" i="0" kern="1200" dirty="0" smtClean="0">
+                <a:solidFill>
+                  <a:schemeClr val="tx1"/>
+                </a:solidFill>
+                <a:effectLst/>
+                <a:latin typeface="+mn-lt"/>
+                <a:ea typeface="+mn-ea"/>
+                <a:cs typeface="+mn-cs"/>
+              </a:rPr>
+              <a:t>Log in to your account.</a:t>
+            </a:r>
+          </a:p>
+          <a:p>
+            <a:r>
+              <a:rPr lang="en-US" altLang="zh-TW" sz="1200" b="0" i="0" kern="1200" dirty="0" smtClean="0">
+                <a:solidFill>
+                  <a:schemeClr val="tx1"/>
+                </a:solidFill>
+                <a:effectLst/>
+                <a:latin typeface="+mn-lt"/>
+                <a:ea typeface="+mn-ea"/>
+                <a:cs typeface="+mn-cs"/>
+              </a:rPr>
+              <a:t>Click the </a:t>
+            </a:r>
+            <a:r>
+              <a:rPr lang="en-US" altLang="zh-TW" sz="1200" b="0" i="0" u="none" strike="noStrike" kern="1200" dirty="0" smtClean="0">
+                <a:solidFill>
+                  <a:schemeClr val="tx1"/>
+                </a:solidFill>
+                <a:effectLst/>
+                <a:latin typeface="+mn-lt"/>
+                <a:ea typeface="+mn-ea"/>
+                <a:cs typeface="+mn-cs"/>
+                <a:hlinkClick r:id="rId4"/>
+              </a:rPr>
+              <a:t>new repository</a:t>
+            </a:r>
+            <a:r>
+              <a:rPr lang="en-US" altLang="zh-TW" sz="1200" b="0" i="0" kern="1200" dirty="0" smtClean="0">
+                <a:solidFill>
+                  <a:schemeClr val="tx1"/>
+                </a:solidFill>
+                <a:effectLst/>
+                <a:latin typeface="+mn-lt"/>
+                <a:ea typeface="+mn-ea"/>
+                <a:cs typeface="+mn-cs"/>
+              </a:rPr>
+              <a:t> button in the top-right. You’ll have an option there to initialize the repository with a README file, but I don’t.</a:t>
+            </a:r>
+          </a:p>
+          <a:p>
+            <a:r>
+              <a:rPr lang="en-US" altLang="zh-TW" sz="1200" b="0" i="0" kern="1200" dirty="0" smtClean="0">
+                <a:solidFill>
+                  <a:schemeClr val="tx1"/>
+                </a:solidFill>
+                <a:effectLst/>
+                <a:latin typeface="+mn-lt"/>
+                <a:ea typeface="+mn-ea"/>
+                <a:cs typeface="+mn-cs"/>
+              </a:rPr>
+              <a:t>Click the “Create repository” button.</a:t>
+            </a:r>
+          </a:p>
+          <a:p>
+            <a:endParaRPr lang="en-US" altLang="zh-TW" sz="1200" b="0" i="0" kern="1200" dirty="0" smtClean="0">
+              <a:solidFill>
+                <a:schemeClr val="tx1"/>
+              </a:solidFill>
+              <a:effectLst/>
+              <a:latin typeface="+mn-lt"/>
+              <a:ea typeface="+mn-ea"/>
+              <a:cs typeface="+mn-cs"/>
+            </a:endParaRPr>
+          </a:p>
+          <a:p>
+            <a:r>
+              <a:rPr lang="en-US" altLang="zh-TW" sz="1200" b="0" i="0" kern="1200" dirty="0" smtClean="0">
+                <a:solidFill>
+                  <a:schemeClr val="tx1"/>
+                </a:solidFill>
+                <a:effectLst/>
+                <a:latin typeface="+mn-lt"/>
+                <a:ea typeface="+mn-ea"/>
+                <a:cs typeface="+mn-cs"/>
+              </a:rPr>
+              <a:t>Now, follow the second set of instructions, “Push an existing repository…”</a:t>
+            </a:r>
+          </a:p>
+          <a:p>
+            <a:pPr marL="0" marR="0" lvl="0" indent="0" algn="l" defTabSz="914400" rtl="0" eaLnBrk="1" fontAlgn="auto" latinLnBrk="0" hangingPunct="1">
+              <a:lnSpc>
+                <a:spcPct val="100000"/>
+              </a:lnSpc>
+              <a:spcBef>
+                <a:spcPts val="0"/>
+              </a:spcBef>
+              <a:spcAft>
+                <a:spcPts val="0"/>
+              </a:spcAft>
+              <a:buClrTx/>
+              <a:buSzTx/>
+              <a:buFontTx/>
+              <a:buNone/>
+              <a:tabLst/>
+              <a:defRPr/>
+            </a:pPr>
+            <a:r>
+              <a:rPr lang="en-US" altLang="zh-TW" sz="1200" b="0" i="0" kern="1200" dirty="0" smtClean="0">
+                <a:solidFill>
+                  <a:schemeClr val="tx1"/>
+                </a:solidFill>
+                <a:effectLst/>
+                <a:latin typeface="+mn-lt"/>
+                <a:ea typeface="+mn-ea"/>
+                <a:cs typeface="+mn-cs"/>
+              </a:rPr>
+              <a:t>$ </a:t>
+            </a:r>
+            <a:r>
+              <a:rPr lang="en-US" altLang="zh-TW" sz="1200" b="0" i="0" kern="1200" dirty="0" err="1" smtClean="0">
+                <a:solidFill>
+                  <a:schemeClr val="tx1"/>
+                </a:solidFill>
+                <a:effectLst/>
+                <a:latin typeface="+mn-lt"/>
+                <a:ea typeface="+mn-ea"/>
+                <a:cs typeface="+mn-cs"/>
+              </a:rPr>
+              <a:t>git</a:t>
+            </a:r>
+            <a:r>
+              <a:rPr lang="en-US" altLang="zh-TW" sz="1200" b="0" i="0" kern="1200" dirty="0" smtClean="0">
+                <a:solidFill>
+                  <a:schemeClr val="tx1"/>
+                </a:solidFill>
+                <a:effectLst/>
+                <a:latin typeface="+mn-lt"/>
+                <a:ea typeface="+mn-ea"/>
+                <a:cs typeface="+mn-cs"/>
+              </a:rPr>
+              <a:t> remote add origin https://github.com/username/new_repo</a:t>
+            </a:r>
+          </a:p>
+          <a:p>
+            <a:r>
+              <a:rPr lang="en-US" altLang="zh-TW" sz="1200" b="0" i="0" kern="1200" dirty="0" smtClean="0">
+                <a:solidFill>
+                  <a:schemeClr val="tx1"/>
+                </a:solidFill>
+                <a:effectLst/>
+                <a:latin typeface="+mn-lt"/>
+                <a:ea typeface="+mn-ea"/>
+                <a:cs typeface="+mn-cs"/>
+              </a:rPr>
+              <a:t>$ </a:t>
+            </a:r>
+            <a:r>
+              <a:rPr lang="en-US" altLang="zh-TW" sz="1200" b="0" i="0" kern="1200" dirty="0" err="1" smtClean="0">
+                <a:solidFill>
+                  <a:schemeClr val="tx1"/>
+                </a:solidFill>
+                <a:effectLst/>
+                <a:latin typeface="+mn-lt"/>
+                <a:ea typeface="+mn-ea"/>
+                <a:cs typeface="+mn-cs"/>
+              </a:rPr>
+              <a:t>git</a:t>
+            </a:r>
+            <a:r>
+              <a:rPr lang="en-US" altLang="zh-TW" sz="1200" b="0" i="0" kern="1200" dirty="0" smtClean="0">
+                <a:solidFill>
+                  <a:schemeClr val="tx1"/>
+                </a:solidFill>
+                <a:effectLst/>
+                <a:latin typeface="+mn-lt"/>
+                <a:ea typeface="+mn-ea"/>
+                <a:cs typeface="+mn-cs"/>
+              </a:rPr>
+              <a:t> push -u origin master </a:t>
+            </a:r>
+          </a:p>
+          <a:p>
+            <a:r>
+              <a:rPr lang="en-US" altLang="zh-TW" sz="1200" b="0" i="0" kern="1200" dirty="0" smtClean="0">
+                <a:solidFill>
+                  <a:schemeClr val="tx1"/>
+                </a:solidFill>
+                <a:effectLst/>
+                <a:latin typeface="+mn-lt"/>
+                <a:ea typeface="+mn-ea"/>
+                <a:cs typeface="+mn-cs"/>
+              </a:rPr>
+              <a:t>Actually, the first line of the instructions will say</a:t>
+            </a:r>
+          </a:p>
+          <a:p>
+            <a:endParaRPr lang="zh-TW" altLang="en-US" dirty="0"/>
+          </a:p>
+        </p:txBody>
+      </p:sp>
+      <p:sp>
+        <p:nvSpPr>
+          <p:cNvPr id="4" name="投影片編號版面配置區 3"/>
+          <p:cNvSpPr>
+            <a:spLocks noGrp="1"/>
+          </p:cNvSpPr>
+          <p:nvPr>
+            <p:ph type="sldNum" sz="quarter" idx="10"/>
+          </p:nvPr>
+        </p:nvSpPr>
+        <p:spPr/>
+        <p:txBody>
+          <a:bodyPr/>
+          <a:lstStyle/>
+          <a:p>
+            <a:fld id="{762C10F9-1313-4CC6-801B-630A787ADD62}" type="slidenum">
+              <a:rPr lang="zh-TW" altLang="en-US" smtClean="0"/>
+              <a:t>9</a:t>
+            </a:fld>
+            <a:endParaRPr lang="zh-TW" altLang="en-US"/>
+          </a:p>
+        </p:txBody>
+      </p:sp>
+    </p:spTree>
+    <p:extLst>
+      <p:ext uri="{BB962C8B-B14F-4D97-AF65-F5344CB8AC3E}">
+        <p14:creationId xmlns:p14="http://schemas.microsoft.com/office/powerpoint/2010/main" val="2121474794"/>
+      </p:ext>
+    </p:extLst>
+  </p:cSld>
+  <p:clrMapOvr>
+    <a:masterClrMapping/>
+  </p:clrMapOvr>
+</p:notes>
+</file>
+
+<file path=ppt/notesSlides/notesSlide9.xml><?xml version="1.0" encoding="utf-8"?>
+<p:notes xmlns:a="http://schemas.openxmlformats.org/drawingml/2006/main" xmlns:r="http://schemas.openxmlformats.org/officeDocument/2006/relationships" xmlns:p="http://schemas.openxmlformats.org/presentationml/2006/main">
+  <p:cSld>
+    <p:spTree>
+      <p:nvGrpSpPr>
+        <p:cNvPr id="1" name=""/>
+        <p:cNvGrpSpPr/>
+        <p:nvPr/>
+      </p:nvGrpSpPr>
+      <p:grpSpPr>
+        <a:xfrm>
+          <a:off x="0" y="0"/>
+          <a:ext cx="0" cy="0"/>
+          <a:chOff x="0" y="0"/>
+          <a:chExt cx="0" cy="0"/>
+        </a:xfrm>
+      </p:grpSpPr>
+      <p:sp>
+        <p:nvSpPr>
+          <p:cNvPr id="2" name="投影片圖像版面配置區 1"/>
+          <p:cNvSpPr>
+            <a:spLocks noGrp="1" noRot="1" noChangeAspect="1"/>
+          </p:cNvSpPr>
+          <p:nvPr>
+            <p:ph type="sldImg"/>
+          </p:nvPr>
+        </p:nvSpPr>
+        <p:spPr/>
+      </p:sp>
+      <p:sp>
+        <p:nvSpPr>
+          <p:cNvPr id="3" name="備忘稿版面配置區 2"/>
+          <p:cNvSpPr>
+            <a:spLocks noGrp="1"/>
+          </p:cNvSpPr>
+          <p:nvPr>
+            <p:ph type="body" idx="1"/>
+          </p:nvPr>
+        </p:nvSpPr>
+        <p:spPr/>
+        <p:txBody>
+          <a:bodyPr/>
+          <a:lstStyle/>
+          <a:p>
+            <a:endParaRPr lang="zh-TW" altLang="en-US" dirty="0"/>
+          </a:p>
+        </p:txBody>
+      </p:sp>
+      <p:sp>
+        <p:nvSpPr>
+          <p:cNvPr id="4" name="投影片編號版面配置區 3"/>
+          <p:cNvSpPr>
+            <a:spLocks noGrp="1"/>
+          </p:cNvSpPr>
+          <p:nvPr>
+            <p:ph type="sldNum" sz="quarter" idx="10"/>
+          </p:nvPr>
+        </p:nvSpPr>
+        <p:spPr/>
+        <p:txBody>
+          <a:bodyPr/>
+          <a:lstStyle/>
+          <a:p>
+            <a:fld id="{762C10F9-1313-4CC6-801B-630A787ADD62}" type="slidenum">
+              <a:rPr lang="zh-TW" altLang="en-US" smtClean="0"/>
+              <a:t>10</a:t>
+            </a:fld>
+            <a:endParaRPr lang="zh-TW" altLang="en-US"/>
+          </a:p>
+        </p:txBody>
+      </p:sp>
+    </p:spTree>
+    <p:extLst>
+      <p:ext uri="{BB962C8B-B14F-4D97-AF65-F5344CB8AC3E}">
+        <p14:creationId xmlns:p14="http://schemas.microsoft.com/office/powerpoint/2010/main" val="2356722764"/>
       </p:ext>
     </p:extLst>
   </p:cSld>
@@ -1896,7 +2812,7 @@
           <a:p>
             <a:fld id="{1D8BD707-D9CF-40AE-B4C6-C98DA3205C09}" type="datetimeFigureOut">
               <a:rPr lang="en-US"/>
-              <a:t>11/13/2020</a:t>
+              <a:t>11/23/2020</a:t>
             </a:fld>
             <a:endParaRPr lang="en-US"/>
           </a:p>
@@ -3222,7 +4138,7 @@
           <a:p>
             <a:fld id="{1D8BD707-D9CF-40AE-B4C6-C98DA3205C09}" type="datetimeFigureOut">
               <a:rPr lang="en-US"/>
-              <a:t>11/13/2020</a:t>
+              <a:t>11/23/2020</a:t>
             </a:fld>
             <a:endParaRPr lang="en-US"/>
           </a:p>
@@ -3436,7 +4352,7 @@
           <a:p>
             <a:fld id="{1D8BD707-D9CF-40AE-B4C6-C98DA3205C09}" type="datetimeFigureOut">
               <a:rPr lang="en-US"/>
-              <a:t>11/13/2020</a:t>
+              <a:t>11/23/2020</a:t>
             </a:fld>
             <a:endParaRPr lang="en-US"/>
           </a:p>
@@ -3584,7 +4500,7 @@
           <a:p>
             <a:fld id="{1D8BD707-D9CF-40AE-B4C6-C98DA3205C09}" type="datetimeFigureOut">
               <a:rPr lang="en-US"/>
-              <a:t>11/13/2020</a:t>
+              <a:t>11/23/2020</a:t>
             </a:fld>
             <a:endParaRPr lang="en-US"/>
           </a:p>
@@ -3703,7 +4619,7 @@
           <a:p>
             <a:fld id="{1D8BD707-D9CF-40AE-B4C6-C98DA3205C09}" type="datetimeFigureOut">
               <a:rPr lang="en-US"/>
-              <a:t>11/13/2020</a:t>
+              <a:t>11/23/2020</a:t>
             </a:fld>
             <a:endParaRPr lang="en-US"/>
           </a:p>
@@ -4530,7 +5446,7 @@
           <a:p>
             <a:fld id="{1D8BD707-D9CF-40AE-B4C6-C98DA3205C09}" type="datetimeFigureOut">
               <a:rPr lang="en-US"/>
-              <a:t>11/13/2020</a:t>
+              <a:t>11/23/2020</a:t>
             </a:fld>
             <a:endParaRPr lang="en-US"/>
           </a:p>
@@ -5566,6 +6482,635 @@
 </p:sld>
 </file>
 
+<file path=ppt/slides/slide10.xml><?xml version="1.0" encoding="utf-8"?>
+<p:sld xmlns:a="http://schemas.openxmlformats.org/drawingml/2006/main" xmlns:r="http://schemas.openxmlformats.org/officeDocument/2006/relationships" xmlns:p="http://schemas.openxmlformats.org/presentationml/2006/main">
+  <p:cSld>
+    <p:spTree>
+      <p:nvGrpSpPr>
+        <p:cNvPr id="1" name=""/>
+        <p:cNvGrpSpPr/>
+        <p:nvPr/>
+      </p:nvGrpSpPr>
+      <p:grpSpPr>
+        <a:xfrm>
+          <a:off x="0" y="0"/>
+          <a:ext cx="0" cy="0"/>
+          <a:chOff x="0" y="0"/>
+          <a:chExt cx="0" cy="0"/>
+        </a:xfrm>
+      </p:grpSpPr>
+      <p:sp>
+        <p:nvSpPr>
+          <p:cNvPr id="4" name="object 5"/>
+          <p:cNvSpPr txBox="1">
+            <a:spLocks/>
+          </p:cNvSpPr>
+          <p:nvPr/>
+        </p:nvSpPr>
+        <p:spPr>
+          <a:xfrm>
+            <a:off x="787400" y="903391"/>
+            <a:ext cx="11506199" cy="936154"/>
+          </a:xfrm>
+          <a:prstGeom prst="rect">
+            <a:avLst/>
+          </a:prstGeom>
+        </p:spPr>
+        <p:txBody>
+          <a:bodyPr vert="horz" wrap="square" lIns="0" tIns="12700" rIns="0" bIns="0" rtlCol="0">
+            <a:spAutoFit/>
+          </a:bodyPr>
+          <a:lstStyle>
+            <a:lvl1pPr>
+              <a:defRPr sz="2600" b="1" i="0">
+                <a:solidFill>
+                  <a:srgbClr val="0365C0"/>
+                </a:solidFill>
+                <a:latin typeface="Arial"/>
+                <a:ea typeface="+mj-ea"/>
+                <a:cs typeface="Arial"/>
+              </a:defRPr>
+            </a:lvl1pPr>
+          </a:lstStyle>
+          <a:p>
+            <a:pPr marL="38100" algn="ctr">
+              <a:spcBef>
+                <a:spcPts val="100"/>
+              </a:spcBef>
+            </a:pPr>
+            <a:r>
+              <a:rPr lang="en-US" altLang="zh-TW" sz="6000" kern="0" dirty="0" smtClean="0">
+                <a:latin typeface="Microsoft JhengHei"/>
+                <a:cs typeface="Microsoft JhengHei"/>
+              </a:rPr>
+              <a:t>Docker hub auto build</a:t>
+            </a:r>
+            <a:endParaRPr lang="zh-TW" altLang="en-US" sz="6000" kern="0" dirty="0">
+              <a:latin typeface="Microsoft JhengHei"/>
+              <a:cs typeface="Microsoft JhengHei"/>
+            </a:endParaRPr>
+          </a:p>
+        </p:txBody>
+      </p:sp>
+      <p:sp>
+        <p:nvSpPr>
+          <p:cNvPr id="7" name="矩形 6"/>
+          <p:cNvSpPr/>
+          <p:nvPr/>
+        </p:nvSpPr>
+        <p:spPr>
+          <a:xfrm>
+            <a:off x="562788" y="2009401"/>
+            <a:ext cx="12032384" cy="2786019"/>
+          </a:xfrm>
+          <a:prstGeom prst="rect">
+            <a:avLst/>
+          </a:prstGeom>
+        </p:spPr>
+        <p:txBody>
+          <a:bodyPr wrap="square">
+            <a:spAutoFit/>
+          </a:bodyPr>
+          <a:lstStyle/>
+          <a:p>
+            <a:pPr marL="487672" lvl="1" indent="-487672" defTabSz="1300460" eaLnBrk="0" fontAlgn="base" hangingPunct="0">
+              <a:spcBef>
+                <a:spcPct val="20000"/>
+              </a:spcBef>
+              <a:spcAft>
+                <a:spcPct val="0"/>
+              </a:spcAft>
+              <a:buFont typeface="微軟正黑體" pitchFamily="34" charset="-120"/>
+              <a:buChar char="»"/>
+            </a:pPr>
+            <a:r>
+              <a:rPr lang="zh-TW" altLang="en-US" sz="4000" dirty="0" smtClean="0"/>
+              <a:t>前置條件</a:t>
+            </a:r>
+            <a:endParaRPr lang="en-US" altLang="zh-TW" sz="4000" dirty="0" smtClean="0"/>
+          </a:p>
+          <a:p>
+            <a:pPr marL="1137902" lvl="2" indent="-487672" defTabSz="1300460" eaLnBrk="0" fontAlgn="base" hangingPunct="0">
+              <a:spcBef>
+                <a:spcPct val="20000"/>
+              </a:spcBef>
+              <a:spcAft>
+                <a:spcPct val="0"/>
+              </a:spcAft>
+              <a:buFont typeface="微軟正黑體" pitchFamily="34" charset="-120"/>
+              <a:buChar char="»"/>
+            </a:pPr>
+            <a:r>
+              <a:rPr lang="en-US" altLang="zh-TW" sz="2560" dirty="0" err="1">
+                <a:solidFill>
+                  <a:srgbClr val="000000"/>
+                </a:solidFill>
+                <a:latin typeface="Arial" charset="0"/>
+                <a:ea typeface="SimSun" pitchFamily="2" charset="-122"/>
+              </a:rPr>
+              <a:t>Github</a:t>
+            </a:r>
+            <a:r>
+              <a:rPr lang="zh-TW" altLang="en-US" sz="2560" dirty="0">
+                <a:solidFill>
+                  <a:srgbClr val="000000"/>
+                </a:solidFill>
+                <a:latin typeface="Arial" charset="0"/>
+                <a:ea typeface="SimSun" pitchFamily="2" charset="-122"/>
+              </a:rPr>
+              <a:t>帳號，並建立專案，且專案內包含有一個</a:t>
+            </a:r>
+            <a:r>
+              <a:rPr lang="en-US" altLang="zh-TW" sz="2560" dirty="0" err="1">
+                <a:solidFill>
+                  <a:srgbClr val="000000"/>
+                </a:solidFill>
+                <a:latin typeface="Arial" charset="0"/>
+                <a:ea typeface="SimSun" pitchFamily="2" charset="-122"/>
+              </a:rPr>
+              <a:t>Dockerfile</a:t>
+            </a:r>
+            <a:r>
+              <a:rPr lang="zh-TW" altLang="en-US" sz="2560" dirty="0" smtClean="0">
+                <a:solidFill>
+                  <a:srgbClr val="000000"/>
+                </a:solidFill>
+                <a:latin typeface="Arial" charset="0"/>
+                <a:ea typeface="SimSun" pitchFamily="2" charset="-122"/>
+              </a:rPr>
+              <a:t>檔案</a:t>
+            </a:r>
+            <a:endParaRPr lang="en-US" altLang="zh-TW" sz="2560" dirty="0" smtClean="0">
+              <a:solidFill>
+                <a:srgbClr val="000000"/>
+              </a:solidFill>
+              <a:latin typeface="Arial" charset="0"/>
+              <a:ea typeface="SimSun" pitchFamily="2" charset="-122"/>
+            </a:endParaRPr>
+          </a:p>
+          <a:p>
+            <a:pPr marL="1137902" lvl="2" indent="-487672" defTabSz="1300460" eaLnBrk="0" fontAlgn="base" hangingPunct="0">
+              <a:spcBef>
+                <a:spcPct val="20000"/>
+              </a:spcBef>
+              <a:spcAft>
+                <a:spcPct val="0"/>
+              </a:spcAft>
+              <a:buFont typeface="微軟正黑體" pitchFamily="34" charset="-120"/>
+              <a:buChar char="»"/>
+            </a:pPr>
+            <a:r>
+              <a:rPr lang="en-US" altLang="zh-TW" sz="2560" dirty="0">
+                <a:solidFill>
+                  <a:srgbClr val="000000"/>
+                </a:solidFill>
+                <a:latin typeface="Arial" charset="0"/>
+                <a:ea typeface="SimSun" pitchFamily="2" charset="-122"/>
+              </a:rPr>
+              <a:t>Docker Hub</a:t>
+            </a:r>
+            <a:r>
+              <a:rPr lang="zh-TW" altLang="en-US" sz="2560" dirty="0">
+                <a:solidFill>
+                  <a:srgbClr val="000000"/>
+                </a:solidFill>
+                <a:latin typeface="Arial" charset="0"/>
+                <a:ea typeface="SimSun" pitchFamily="2" charset="-122"/>
+              </a:rPr>
+              <a:t>的帳號，並且在其中沒有與之後預計建置的</a:t>
+            </a:r>
+            <a:r>
+              <a:rPr lang="en-US" altLang="zh-TW" sz="2560" dirty="0">
+                <a:solidFill>
+                  <a:srgbClr val="000000"/>
+                </a:solidFill>
+                <a:latin typeface="Arial" charset="0"/>
+                <a:ea typeface="SimSun" pitchFamily="2" charset="-122"/>
+              </a:rPr>
+              <a:t>image</a:t>
+            </a:r>
+            <a:r>
+              <a:rPr lang="zh-TW" altLang="en-US" sz="2560" dirty="0">
+                <a:solidFill>
+                  <a:srgbClr val="000000"/>
+                </a:solidFill>
+                <a:latin typeface="Arial" charset="0"/>
+                <a:ea typeface="SimSun" pitchFamily="2" charset="-122"/>
+              </a:rPr>
+              <a:t>重複名稱的</a:t>
+            </a:r>
+            <a:r>
+              <a:rPr lang="en-US" altLang="zh-TW" sz="2560" dirty="0" smtClean="0">
+                <a:solidFill>
+                  <a:srgbClr val="000000"/>
+                </a:solidFill>
+                <a:latin typeface="Arial" charset="0"/>
+                <a:ea typeface="SimSun" pitchFamily="2" charset="-122"/>
+              </a:rPr>
+              <a:t>image</a:t>
+            </a:r>
+          </a:p>
+          <a:p>
+            <a:pPr marL="487672" lvl="1" indent="-487672" defTabSz="1300460" eaLnBrk="0" fontAlgn="base" hangingPunct="0">
+              <a:spcBef>
+                <a:spcPct val="20000"/>
+              </a:spcBef>
+              <a:spcAft>
+                <a:spcPct val="0"/>
+              </a:spcAft>
+              <a:buFont typeface="微軟正黑體" pitchFamily="34" charset="-120"/>
+              <a:buChar char="»"/>
+            </a:pPr>
+            <a:r>
+              <a:rPr lang="zh-TW" altLang="en-US" sz="4000" dirty="0" smtClean="0"/>
+              <a:t>連接帳戶</a:t>
+            </a:r>
+            <a:endParaRPr lang="en-US" altLang="zh-TW" sz="4000" dirty="0" smtClean="0"/>
+          </a:p>
+        </p:txBody>
+      </p:sp>
+      <p:pic>
+        <p:nvPicPr>
+          <p:cNvPr id="3" name="圖片 2"/>
+          <p:cNvPicPr>
+            <a:picLocks noChangeAspect="1"/>
+          </p:cNvPicPr>
+          <p:nvPr/>
+        </p:nvPicPr>
+        <p:blipFill>
+          <a:blip r:embed="rId3"/>
+          <a:stretch>
+            <a:fillRect/>
+          </a:stretch>
+        </p:blipFill>
+        <p:spPr>
+          <a:xfrm>
+            <a:off x="3759200" y="3886200"/>
+            <a:ext cx="7931805" cy="5715000"/>
+          </a:xfrm>
+          <a:prstGeom prst="rect">
+            <a:avLst/>
+          </a:prstGeom>
+        </p:spPr>
+      </p:pic>
+    </p:spTree>
+    <p:extLst>
+      <p:ext uri="{BB962C8B-B14F-4D97-AF65-F5344CB8AC3E}">
+        <p14:creationId xmlns:p14="http://schemas.microsoft.com/office/powerpoint/2010/main" val="2351378132"/>
+      </p:ext>
+    </p:extLst>
+  </p:cSld>
+  <p:clrMapOvr>
+    <a:masterClrMapping/>
+  </p:clrMapOvr>
+  <p:timing>
+    <p:tnLst>
+      <p:par>
+        <p:cTn id="1" dur="indefinite" restart="never" nodeType="tmRoot"/>
+      </p:par>
+    </p:tnLst>
+  </p:timing>
+</p:sld>
+</file>
+
+<file path=ppt/slides/slide11.xml><?xml version="1.0" encoding="utf-8"?>
+<p:sld xmlns:a="http://schemas.openxmlformats.org/drawingml/2006/main" xmlns:r="http://schemas.openxmlformats.org/officeDocument/2006/relationships" xmlns:p="http://schemas.openxmlformats.org/presentationml/2006/main">
+  <p:cSld>
+    <p:spTree>
+      <p:nvGrpSpPr>
+        <p:cNvPr id="1" name=""/>
+        <p:cNvGrpSpPr/>
+        <p:nvPr/>
+      </p:nvGrpSpPr>
+      <p:grpSpPr>
+        <a:xfrm>
+          <a:off x="0" y="0"/>
+          <a:ext cx="0" cy="0"/>
+          <a:chOff x="0" y="0"/>
+          <a:chExt cx="0" cy="0"/>
+        </a:xfrm>
+      </p:grpSpPr>
+      <p:sp>
+        <p:nvSpPr>
+          <p:cNvPr id="4" name="object 5"/>
+          <p:cNvSpPr txBox="1">
+            <a:spLocks/>
+          </p:cNvSpPr>
+          <p:nvPr/>
+        </p:nvSpPr>
+        <p:spPr>
+          <a:xfrm>
+            <a:off x="787400" y="903391"/>
+            <a:ext cx="11506199" cy="936154"/>
+          </a:xfrm>
+          <a:prstGeom prst="rect">
+            <a:avLst/>
+          </a:prstGeom>
+        </p:spPr>
+        <p:txBody>
+          <a:bodyPr vert="horz" wrap="square" lIns="0" tIns="12700" rIns="0" bIns="0" rtlCol="0">
+            <a:spAutoFit/>
+          </a:bodyPr>
+          <a:lstStyle>
+            <a:lvl1pPr>
+              <a:defRPr sz="2600" b="1" i="0">
+                <a:solidFill>
+                  <a:srgbClr val="0365C0"/>
+                </a:solidFill>
+                <a:latin typeface="Arial"/>
+                <a:ea typeface="+mj-ea"/>
+                <a:cs typeface="Arial"/>
+              </a:defRPr>
+            </a:lvl1pPr>
+          </a:lstStyle>
+          <a:p>
+            <a:pPr marL="38100" algn="ctr">
+              <a:spcBef>
+                <a:spcPts val="100"/>
+              </a:spcBef>
+            </a:pPr>
+            <a:r>
+              <a:rPr lang="en-US" altLang="zh-TW" sz="6000" kern="0" dirty="0" smtClean="0">
+                <a:latin typeface="Microsoft JhengHei"/>
+                <a:cs typeface="Microsoft JhengHei"/>
+              </a:rPr>
+              <a:t>Docker hub auto build</a:t>
+            </a:r>
+            <a:endParaRPr lang="zh-TW" altLang="en-US" sz="6000" kern="0" dirty="0">
+              <a:latin typeface="Microsoft JhengHei"/>
+              <a:cs typeface="Microsoft JhengHei"/>
+            </a:endParaRPr>
+          </a:p>
+        </p:txBody>
+      </p:sp>
+      <p:pic>
+        <p:nvPicPr>
+          <p:cNvPr id="2" name="圖片 1"/>
+          <p:cNvPicPr>
+            <a:picLocks noChangeAspect="1"/>
+          </p:cNvPicPr>
+          <p:nvPr/>
+        </p:nvPicPr>
+        <p:blipFill>
+          <a:blip r:embed="rId3">
+            <a:extLst>
+              <a:ext uri="{28A0092B-C50C-407E-A947-70E740481C1C}">
+                <a14:useLocalDpi xmlns:a14="http://schemas.microsoft.com/office/drawing/2010/main" val="0"/>
+              </a:ext>
+            </a:extLst>
+          </a:blip>
+          <a:stretch>
+            <a:fillRect/>
+          </a:stretch>
+        </p:blipFill>
+        <p:spPr>
+          <a:xfrm>
+            <a:off x="772313" y="1956980"/>
+            <a:ext cx="10058400" cy="5125352"/>
+          </a:xfrm>
+          <a:prstGeom prst="rect">
+            <a:avLst/>
+          </a:prstGeom>
+        </p:spPr>
+      </p:pic>
+      <p:pic>
+        <p:nvPicPr>
+          <p:cNvPr id="5" name="圖片 4"/>
+          <p:cNvPicPr>
+            <a:picLocks noChangeAspect="1"/>
+          </p:cNvPicPr>
+          <p:nvPr/>
+        </p:nvPicPr>
+        <p:blipFill>
+          <a:blip r:embed="rId4">
+            <a:extLst>
+              <a:ext uri="{28A0092B-C50C-407E-A947-70E740481C1C}">
+                <a14:useLocalDpi xmlns:a14="http://schemas.microsoft.com/office/drawing/2010/main" val="0"/>
+              </a:ext>
+            </a:extLst>
+          </a:blip>
+          <a:stretch>
+            <a:fillRect/>
+          </a:stretch>
+        </p:blipFill>
+        <p:spPr>
+          <a:xfrm>
+            <a:off x="1625600" y="1839545"/>
+            <a:ext cx="9426875" cy="7772400"/>
+          </a:xfrm>
+          <a:prstGeom prst="rect">
+            <a:avLst/>
+          </a:prstGeom>
+        </p:spPr>
+      </p:pic>
+      <p:pic>
+        <p:nvPicPr>
+          <p:cNvPr id="6" name="圖片 5"/>
+          <p:cNvPicPr>
+            <a:picLocks noChangeAspect="1"/>
+          </p:cNvPicPr>
+          <p:nvPr/>
+        </p:nvPicPr>
+        <p:blipFill>
+          <a:blip r:embed="rId5">
+            <a:extLst>
+              <a:ext uri="{28A0092B-C50C-407E-A947-70E740481C1C}">
+                <a14:useLocalDpi xmlns:a14="http://schemas.microsoft.com/office/drawing/2010/main" val="0"/>
+              </a:ext>
+            </a:extLst>
+          </a:blip>
+          <a:stretch>
+            <a:fillRect/>
+          </a:stretch>
+        </p:blipFill>
+        <p:spPr>
+          <a:xfrm>
+            <a:off x="1625600" y="1841166"/>
+            <a:ext cx="10058400" cy="7651732"/>
+          </a:xfrm>
+          <a:prstGeom prst="rect">
+            <a:avLst/>
+          </a:prstGeom>
+        </p:spPr>
+      </p:pic>
+    </p:spTree>
+    <p:extLst>
+      <p:ext uri="{BB962C8B-B14F-4D97-AF65-F5344CB8AC3E}">
+        <p14:creationId xmlns:p14="http://schemas.microsoft.com/office/powerpoint/2010/main" val="427218084"/>
+      </p:ext>
+    </p:extLst>
+  </p:cSld>
+  <p:clrMapOvr>
+    <a:masterClrMapping/>
+  </p:clrMapOvr>
+  <p:timing>
+    <p:tnLst>
+      <p:par>
+        <p:cTn id="1" dur="indefinite" restart="never" nodeType="tmRoot">
+          <p:childTnLst>
+            <p:seq concurrent="1" nextAc="seek">
+              <p:cTn id="2" dur="indefinite" nodeType="mainSeq">
+                <p:childTnLst>
+                  <p:par>
+                    <p:cTn id="3" fill="hold">
+                      <p:stCondLst>
+                        <p:cond delay="indefinite"/>
+                      </p:stCondLst>
+                      <p:childTnLst>
+                        <p:par>
+                          <p:cTn id="4" fill="hold">
+                            <p:stCondLst>
+                              <p:cond delay="0"/>
+                            </p:stCondLst>
+                            <p:childTnLst>
+                              <p:par>
+                                <p:cTn id="5" presetID="1" presetClass="entr" presetSubtype="0" fill="hold" nodeType="clickEffect">
+                                  <p:stCondLst>
+                                    <p:cond delay="0"/>
+                                  </p:stCondLst>
+                                  <p:childTnLst>
+                                    <p:set>
+                                      <p:cBhvr>
+                                        <p:cTn id="6" dur="1" fill="hold">
+                                          <p:stCondLst>
+                                            <p:cond delay="0"/>
+                                          </p:stCondLst>
+                                        </p:cTn>
+                                        <p:tgtEl>
+                                          <p:spTgt spid="2"/>
+                                        </p:tgtEl>
+                                        <p:attrNameLst>
+                                          <p:attrName>style.visibility</p:attrName>
+                                        </p:attrNameLst>
+                                      </p:cBhvr>
+                                      <p:to>
+                                        <p:strVal val="visible"/>
+                                      </p:to>
+                                    </p:set>
+                                  </p:childTnLst>
+                                </p:cTn>
+                              </p:par>
+                            </p:childTnLst>
+                          </p:cTn>
+                        </p:par>
+                      </p:childTnLst>
+                    </p:cTn>
+                  </p:par>
+                  <p:par>
+                    <p:cTn id="7" fill="hold">
+                      <p:stCondLst>
+                        <p:cond delay="indefinite"/>
+                      </p:stCondLst>
+                      <p:childTnLst>
+                        <p:par>
+                          <p:cTn id="8" fill="hold">
+                            <p:stCondLst>
+                              <p:cond delay="0"/>
+                            </p:stCondLst>
+                            <p:childTnLst>
+                              <p:par>
+                                <p:cTn id="9" presetID="1" presetClass="entr" presetSubtype="0" fill="hold" nodeType="clickEffect">
+                                  <p:stCondLst>
+                                    <p:cond delay="0"/>
+                                  </p:stCondLst>
+                                  <p:childTnLst>
+                                    <p:set>
+                                      <p:cBhvr>
+                                        <p:cTn id="10" dur="1" fill="hold">
+                                          <p:stCondLst>
+                                            <p:cond delay="0"/>
+                                          </p:stCondLst>
+                                        </p:cTn>
+                                        <p:tgtEl>
+                                          <p:spTgt spid="5"/>
+                                        </p:tgtEl>
+                                        <p:attrNameLst>
+                                          <p:attrName>style.visibility</p:attrName>
+                                        </p:attrNameLst>
+                                      </p:cBhvr>
+                                      <p:to>
+                                        <p:strVal val="visible"/>
+                                      </p:to>
+                                    </p:set>
+                                  </p:childTnLst>
+                                </p:cTn>
+                              </p:par>
+                            </p:childTnLst>
+                          </p:cTn>
+                        </p:par>
+                      </p:childTnLst>
+                    </p:cTn>
+                  </p:par>
+                  <p:par>
+                    <p:cTn id="11" fill="hold">
+                      <p:stCondLst>
+                        <p:cond delay="indefinite"/>
+                      </p:stCondLst>
+                      <p:childTnLst>
+                        <p:par>
+                          <p:cTn id="12" fill="hold">
+                            <p:stCondLst>
+                              <p:cond delay="0"/>
+                            </p:stCondLst>
+                            <p:childTnLst>
+                              <p:par>
+                                <p:cTn id="13" presetID="1" presetClass="entr" presetSubtype="0" fill="hold" nodeType="clickEffect">
+                                  <p:stCondLst>
+                                    <p:cond delay="0"/>
+                                  </p:stCondLst>
+                                  <p:childTnLst>
+                                    <p:set>
+                                      <p:cBhvr>
+                                        <p:cTn id="14" dur="1" fill="hold">
+                                          <p:stCondLst>
+                                            <p:cond delay="0"/>
+                                          </p:stCondLst>
+                                        </p:cTn>
+                                        <p:tgtEl>
+                                          <p:spTgt spid="6"/>
+                                        </p:tgtEl>
+                                        <p:attrNameLst>
+                                          <p:attrName>style.visibility</p:attrName>
+                                        </p:attrNameLst>
+                                      </p:cBhvr>
+                                      <p:to>
+                                        <p:strVal val="visible"/>
+                                      </p:to>
+                                    </p:set>
+                                  </p:childTnLst>
+                                </p:cTn>
+                              </p:par>
+                            </p:childTnLst>
+                          </p:cTn>
+                        </p:par>
+                      </p:childTnLst>
+                    </p:cTn>
+                  </p:par>
+                </p:childTnLst>
+              </p:cTn>
+              <p:prevCondLst>
+                <p:cond evt="onPrev" delay="0">
+                  <p:tgtEl>
+                    <p:sldTgt/>
+                  </p:tgtEl>
+                </p:cond>
+              </p:prevCondLst>
+              <p:nextCondLst>
+                <p:cond evt="onNext" delay="0">
+                  <p:tgtEl>
+                    <p:sldTgt/>
+                  </p:tgtEl>
+                </p:cond>
+              </p:nextCondLst>
+            </p:seq>
+          </p:childTnLst>
+        </p:cTn>
+      </p:par>
+    </p:tnLst>
+  </p:timing>
+</p:sld>
+</file>
+
 <file path=ppt/slides/slide2.xml><?xml version="1.0" encoding="utf-8"?>
 <p:sld xmlns:a="http://schemas.openxmlformats.org/drawingml/2006/main" xmlns:r="http://schemas.openxmlformats.org/officeDocument/2006/relationships" xmlns:p="http://schemas.openxmlformats.org/presentationml/2006/main">
   <p:cSld>
@@ -5605,8 +7150,16 @@
           <a:p>
             <a:pPr algn="ctr"/>
             <a:r>
-              <a:rPr lang="en-US" altLang="zh-TW" dirty="0"/>
-              <a:t>VM or Docker?</a:t>
+              <a:rPr lang="en-US" altLang="zh-TW" dirty="0" smtClean="0"/>
+              <a:t>Docker</a:t>
+            </a:r>
+            <a:r>
+              <a:rPr lang="zh-TW" altLang="en-US" dirty="0" smtClean="0"/>
+              <a:t> </a:t>
+            </a:r>
+            <a:r>
+              <a:rPr lang="en-US" altLang="zh-TW" dirty="0" smtClean="0"/>
+              <a:t>Compose</a:t>
             </a:r>
             <a:endParaRPr lang="zh-TW" altLang="en-US" dirty="0"/>
           </a:p>
@@ -5620,8 +7173,8 @@
         </p:nvSpPr>
         <p:spPr>
           <a:xfrm>
-            <a:off x="562788" y="2009402"/>
-            <a:ext cx="12032384" cy="1440459"/>
+            <a:off x="562788" y="2009401"/>
+            <a:ext cx="12032384" cy="4014176"/>
           </a:xfrm>
           <a:prstGeom prst="rect">
             <a:avLst/>
@@ -5651,9 +7204,39 @@
                 <a:latin typeface="Arial" charset="0"/>
                 <a:ea typeface="SimSun" pitchFamily="2" charset="-122"/>
               </a:rPr>
-              <a:t>對比總結</a:t>
-            </a:r>
-            <a:endParaRPr lang="zh-TW" altLang="en-US" sz="3982" b="1" dirty="0">
+              <a:t>用於</a:t>
+            </a:r>
+            <a:r>
+              <a:rPr lang="zh-TW" altLang="en-US" sz="3982" b="1" dirty="0">
+                <a:solidFill>
+                  <a:srgbClr val="000000"/>
+                </a:solidFill>
+                <a:latin typeface="Arial" charset="0"/>
+                <a:ea typeface="SimSun" pitchFamily="2" charset="-122"/>
+              </a:rPr>
+              <a:t>定義和運行多容器</a:t>
+            </a:r>
+            <a:r>
+              <a:rPr lang="en-US" altLang="zh-TW" sz="3982" b="1" dirty="0">
+                <a:solidFill>
+                  <a:srgbClr val="000000"/>
+                </a:solidFill>
+                <a:latin typeface="Arial" charset="0"/>
+                <a:ea typeface="SimSun" pitchFamily="2" charset="-122"/>
+              </a:rPr>
+              <a:t>Docker</a:t>
+            </a:r>
+            <a:r>
+              <a:rPr lang="zh-TW" altLang="en-US" sz="3982" b="1" dirty="0">
+                <a:solidFill>
+                  <a:srgbClr val="000000"/>
+                </a:solidFill>
+                <a:latin typeface="Arial" charset="0"/>
+                <a:ea typeface="SimSun" pitchFamily="2" charset="-122"/>
+              </a:rPr>
+              <a:t>應用程序的工具</a:t>
+            </a:r>
+            <a:endParaRPr lang="en-US" altLang="zh-TW" sz="3982" b="1" dirty="0">
               <a:solidFill>
                 <a:srgbClr val="000000"/>
               </a:solidFill>
@@ -5672,7 +7255,127 @@
               <a:buFont typeface="微軟正黑體" pitchFamily="34" charset="-120"/>
               <a:buChar char="»"/>
             </a:pPr>
-            <a:endParaRPr lang="en-US" altLang="zh-TW" sz="3982" b="1" dirty="0">
+            <a:r>
+              <a:rPr lang="zh-TW" altLang="en-US" sz="3982" b="1" dirty="0">
+                <a:solidFill>
+                  <a:srgbClr val="000000"/>
+                </a:solidFill>
+                <a:latin typeface="Arial" charset="0"/>
+                <a:ea typeface="SimSun" pitchFamily="2" charset="-122"/>
+              </a:rPr>
+              <a:t>使</a:t>
+            </a:r>
+            <a:r>
+              <a:rPr lang="zh-TW" altLang="en-US" sz="3982" b="1" dirty="0" smtClean="0">
+                <a:solidFill>
+                  <a:srgbClr val="000000"/>
+                </a:solidFill>
+                <a:latin typeface="Arial" charset="0"/>
+                <a:ea typeface="SimSun" pitchFamily="2" charset="-122"/>
+              </a:rPr>
+              <a:t>用</a:t>
+            </a:r>
+            <a:r>
+              <a:rPr lang="zh-TW" altLang="en-US" sz="3982" b="1" dirty="0">
+                <a:solidFill>
+                  <a:srgbClr val="000000"/>
+                </a:solidFill>
+                <a:latin typeface="Arial" charset="0"/>
+                <a:ea typeface="SimSun" pitchFamily="2" charset="-122"/>
+              </a:rPr>
+              <a:t>一個描述檔</a:t>
+            </a:r>
+            <a:r>
+              <a:rPr lang="en-US" altLang="zh-TW" sz="3982" b="1" dirty="0">
+                <a:solidFill>
+                  <a:srgbClr val="000000"/>
+                </a:solidFill>
+                <a:latin typeface="Arial" charset="0"/>
+                <a:ea typeface="SimSun" pitchFamily="2" charset="-122"/>
+              </a:rPr>
+              <a:t>(</a:t>
+            </a:r>
+            <a:r>
+              <a:rPr lang="zh-TW" altLang="en-US" sz="3982" b="1" dirty="0">
+                <a:solidFill>
+                  <a:srgbClr val="000000"/>
+                </a:solidFill>
+                <a:latin typeface="Arial" charset="0"/>
+                <a:ea typeface="SimSun" pitchFamily="2" charset="-122"/>
+              </a:rPr>
+              <a:t>預設名稱是 </a:t>
+            </a:r>
+            <a:r>
+              <a:rPr lang="en-US" altLang="zh-TW" sz="3982" b="1" dirty="0" err="1">
+                <a:solidFill>
+                  <a:srgbClr val="000000"/>
+                </a:solidFill>
+                <a:latin typeface="Arial" charset="0"/>
+                <a:ea typeface="SimSun" pitchFamily="2" charset="-122"/>
+              </a:rPr>
+              <a:t>docker-compose.yml</a:t>
+            </a:r>
+            <a:r>
+              <a:rPr lang="en-US" altLang="zh-TW" sz="3982" b="1" dirty="0">
+                <a:solidFill>
+                  <a:srgbClr val="000000"/>
+                </a:solidFill>
+                <a:latin typeface="Arial" charset="0"/>
+                <a:ea typeface="SimSun" pitchFamily="2" charset="-122"/>
+              </a:rPr>
+              <a:t> </a:t>
+            </a:r>
+            <a:r>
+              <a:rPr lang="en-US" altLang="zh-TW" sz="3982" b="1" dirty="0" smtClean="0">
+                <a:solidFill>
+                  <a:srgbClr val="000000"/>
+                </a:solidFill>
+                <a:latin typeface="Arial" charset="0"/>
+                <a:ea typeface="SimSun" pitchFamily="2" charset="-122"/>
+              </a:rPr>
+              <a:t>)</a:t>
+            </a:r>
+            <a:r>
+              <a:rPr lang="zh-TW" altLang="en-US" sz="3982" b="1" dirty="0" smtClean="0">
+                <a:solidFill>
+                  <a:srgbClr val="000000"/>
+                </a:solidFill>
+                <a:latin typeface="Arial" charset="0"/>
+                <a:ea typeface="SimSun" pitchFamily="2" charset="-122"/>
+              </a:rPr>
+              <a:t>建置多</a:t>
+            </a:r>
+            <a:r>
+              <a:rPr lang="zh-TW" altLang="en-US" sz="3982" b="1" dirty="0">
+                <a:solidFill>
+                  <a:srgbClr val="000000"/>
+                </a:solidFill>
+                <a:latin typeface="Arial" charset="0"/>
+                <a:ea typeface="SimSun" pitchFamily="2" charset="-122"/>
+              </a:rPr>
+              <a:t>個容器</a:t>
+            </a:r>
+            <a:r>
+              <a:rPr lang="zh-TW" altLang="en-US" sz="3982" b="1" dirty="0" smtClean="0">
+                <a:solidFill>
+                  <a:srgbClr val="000000"/>
+                </a:solidFill>
+                <a:latin typeface="Arial" charset="0"/>
+                <a:ea typeface="SimSun" pitchFamily="2" charset="-122"/>
+              </a:rPr>
+              <a:t>，同時</a:t>
+            </a:r>
+            <a:r>
+              <a:rPr lang="zh-TW" altLang="en-US" sz="3982" b="1" dirty="0">
+                <a:solidFill>
+                  <a:srgbClr val="000000"/>
+                </a:solidFill>
+                <a:latin typeface="Arial" charset="0"/>
+                <a:ea typeface="SimSun" pitchFamily="2" charset="-122"/>
+              </a:rPr>
+              <a:t>管理、操作它們</a:t>
+            </a:r>
+            <a:endParaRPr lang="zh-TW" altLang="zh-TW" sz="3982" b="1" dirty="0">
               <a:solidFill>
                 <a:srgbClr val="000000"/>
               </a:solidFill>
@@ -5680,36 +7383,111 @@
               <a:ea typeface="SimSun" pitchFamily="2" charset="-122"/>
             </a:endParaRPr>
           </a:p>
-        </p:txBody>
-      </p:sp>
-      <p:pic>
-        <p:nvPicPr>
-          <p:cNvPr id="6" name="圖片 5"/>
-          <p:cNvPicPr>
-            <a:picLocks noChangeAspect="1"/>
-          </p:cNvPicPr>
-          <p:nvPr/>
-        </p:nvPicPr>
-        <p:blipFill>
-          <a:blip r:embed="rId3"/>
-          <a:stretch>
-            <a:fillRect/>
-          </a:stretch>
-        </p:blipFill>
-        <p:spPr>
-          <a:xfrm>
-            <a:off x="1320800" y="3124200"/>
-            <a:ext cx="9501483" cy="3403759"/>
-          </a:xfrm>
-          <a:prstGeom prst="rect">
-            <a:avLst/>
-          </a:prstGeom>
-        </p:spPr>
-      </p:pic>
+          <a:p>
+            <a:pPr marL="487672" lvl="1" indent="-487672" defTabSz="1300460" eaLnBrk="0" fontAlgn="base" hangingPunct="0">
+              <a:spcBef>
+                <a:spcPct val="20000"/>
+              </a:spcBef>
+              <a:spcAft>
+                <a:spcPct val="0"/>
+              </a:spcAft>
+              <a:buFont typeface="微軟正黑體" pitchFamily="34" charset="-120"/>
+              <a:buChar char="»"/>
+            </a:pPr>
+            <a:r>
+              <a:rPr lang="zh-TW" altLang="en-US" sz="3982" b="1" dirty="0" smtClean="0">
+                <a:solidFill>
+                  <a:srgbClr val="000000"/>
+                </a:solidFill>
+                <a:latin typeface="Arial" charset="0"/>
+                <a:ea typeface="SimSun" pitchFamily="2" charset="-122"/>
+              </a:rPr>
+              <a:t>可在所有環境中運作：</a:t>
+            </a:r>
+            <a:r>
+              <a:rPr lang="en-US" altLang="zh-TW" sz="3982" b="1" dirty="0" smtClean="0">
+                <a:solidFill>
+                  <a:srgbClr val="000000"/>
+                </a:solidFill>
+                <a:latin typeface="Arial" charset="0"/>
+                <a:ea typeface="SimSun" pitchFamily="2" charset="-122"/>
+              </a:rPr>
+              <a:t>Production</a:t>
+            </a:r>
+            <a:r>
+              <a:rPr lang="zh-TW" altLang="en-US" sz="3982" b="1" dirty="0" smtClean="0">
+                <a:solidFill>
+                  <a:srgbClr val="000000"/>
+                </a:solidFill>
+                <a:latin typeface="Arial" charset="0"/>
+                <a:ea typeface="SimSun" pitchFamily="2" charset="-122"/>
+              </a:rPr>
+              <a:t>，</a:t>
+            </a:r>
+            <a:r>
+              <a:rPr lang="en-US" altLang="zh-TW" sz="3982" b="1" dirty="0" smtClean="0">
+                <a:solidFill>
+                  <a:srgbClr val="000000"/>
+                </a:solidFill>
+                <a:latin typeface="Arial" charset="0"/>
+                <a:ea typeface="SimSun" pitchFamily="2" charset="-122"/>
+              </a:rPr>
+              <a:t>Development</a:t>
+            </a:r>
+            <a:r>
+              <a:rPr lang="zh-TW" altLang="en-US" sz="3982" b="1" dirty="0" smtClean="0">
+                <a:solidFill>
+                  <a:srgbClr val="000000"/>
+                </a:solidFill>
+                <a:latin typeface="Arial" charset="0"/>
+                <a:ea typeface="SimSun" pitchFamily="2" charset="-122"/>
+              </a:rPr>
+              <a:t>，</a:t>
+            </a:r>
+            <a:r>
+              <a:rPr lang="en-US" altLang="zh-TW" sz="3982" b="1" dirty="0" smtClean="0">
+                <a:solidFill>
+                  <a:srgbClr val="000000"/>
+                </a:solidFill>
+                <a:latin typeface="Arial" charset="0"/>
+                <a:ea typeface="SimSun" pitchFamily="2" charset="-122"/>
+              </a:rPr>
+              <a:t>Testing</a:t>
+            </a:r>
+            <a:r>
+              <a:rPr lang="zh-TW" altLang="en-US" sz="3982" b="1" dirty="0" smtClean="0">
+                <a:solidFill>
+                  <a:srgbClr val="000000"/>
+                </a:solidFill>
+                <a:latin typeface="Arial" charset="0"/>
+                <a:ea typeface="SimSun" pitchFamily="2" charset="-122"/>
+              </a:rPr>
+              <a:t>，和</a:t>
+            </a:r>
+            <a:r>
+              <a:rPr lang="en-US" altLang="zh-TW" sz="3982" b="1" dirty="0" smtClean="0">
+                <a:solidFill>
+                  <a:srgbClr val="000000"/>
+                </a:solidFill>
+                <a:latin typeface="Arial" charset="0"/>
+                <a:ea typeface="SimSun" pitchFamily="2" charset="-122"/>
+              </a:rPr>
+              <a:t>CI</a:t>
+            </a:r>
+            <a:endParaRPr lang="zh-TW" altLang="zh-TW" sz="3982" b="1" dirty="0">
+              <a:solidFill>
+                <a:srgbClr val="000000"/>
+              </a:solidFill>
+              <a:latin typeface="Arial" charset="0"/>
+              <a:ea typeface="SimSun" pitchFamily="2" charset="-122"/>
+            </a:endParaRPr>
+          </a:p>
+        </p:txBody>
+      </p:sp>
     </p:spTree>
     <p:extLst>
       <p:ext uri="{BB962C8B-B14F-4D97-AF65-F5344CB8AC3E}">
-        <p14:creationId xmlns:p14="http://schemas.microsoft.com/office/powerpoint/2010/main" val="888901170"/>
+        <p14:creationId xmlns:p14="http://schemas.microsoft.com/office/powerpoint/2010/main" val="1055435211"/>
       </p:ext>
     </p:extLst>
   </p:cSld>
@@ -5745,8 +7523,8 @@
       </p:grpSpPr>
       <p:sp>
         <p:nvSpPr>
-          <p:cNvPr id="2" name="標題 1"/>
-          <p:cNvSpPr>
+          <p:cNvPr id="2" name="object 2"/>
+          <p:cNvSpPr txBox="1">
             <a:spLocks noGrp="1"/>
           </p:cNvSpPr>
           <p:nvPr>
@@ -5755,41 +7533,79 @@
         </p:nvSpPr>
         <p:spPr>
           <a:xfrm>
-            <a:off x="650241" y="390596"/>
-            <a:ext cx="12098994" cy="1210169"/>
+            <a:off x="1798624" y="448562"/>
+            <a:ext cx="9408160" cy="1000760"/>
           </a:xfrm>
+          <a:prstGeom prst="rect">
+            <a:avLst/>
+          </a:prstGeom>
         </p:spPr>
         <p:txBody>
-          <a:bodyPr/>
+          <a:bodyPr vert="horz" wrap="square" lIns="0" tIns="12700" rIns="0" bIns="0" rtlCol="0">
+            <a:spAutoFit/>
+          </a:bodyPr>
           <a:lstStyle/>
           <a:p>
-            <a:pPr algn="ctr"/>
-            <a:r>
-              <a:rPr lang="en-US" altLang="zh-TW" dirty="0" smtClean="0"/>
-              <a:t>Docker</a:t>
-            </a:r>
-            <a:r>
-              <a:rPr lang="zh-TW" altLang="en-US" dirty="0" smtClean="0"/>
+            <a:pPr marL="12700" algn="ctr">
+              <a:lnSpc>
+                <a:spcPct val="100000"/>
+              </a:lnSpc>
+              <a:spcBef>
+                <a:spcPts val="100"/>
+              </a:spcBef>
+            </a:pPr>
+            <a:r>
+              <a:rPr lang="zh-TW" altLang="en-US" sz="6400" dirty="0" smtClean="0">
+                <a:latin typeface="Microsoft JhengHei"/>
+                <a:cs typeface="Microsoft JhengHei"/>
+              </a:rPr>
+              <a:t>安</a:t>
+            </a:r>
+            <a:r>
+              <a:rPr lang="zh-TW" altLang="en-US" sz="6400" dirty="0">
+                <a:latin typeface="Microsoft JhengHei"/>
+                <a:cs typeface="Microsoft JhengHei"/>
+              </a:rPr>
+              <a:t>裝</a:t>
+            </a:r>
+            <a:r>
+              <a:rPr lang="en-US" sz="6400" dirty="0" smtClean="0">
+                <a:latin typeface="Microsoft JhengHei"/>
+                <a:cs typeface="Microsoft JhengHei"/>
+              </a:rPr>
+              <a:t> Docker</a:t>
+            </a:r>
+            <a:r>
+              <a:rPr lang="zh-TW" altLang="en-US" sz="6400" dirty="0" smtClean="0">
+                <a:latin typeface="Microsoft JhengHei"/>
+                <a:cs typeface="Microsoft JhengHei"/>
+              </a:rPr>
               <a:t> </a:t>
             </a:r>
             <a:r>
-              <a:rPr lang="en-US" altLang="zh-TW" dirty="0" smtClean="0"/>
+              <a:rPr lang="en-US" altLang="zh-TW" sz="6400" dirty="0" smtClean="0">
+                <a:latin typeface="Microsoft JhengHei"/>
+                <a:cs typeface="Microsoft JhengHei"/>
+              </a:rPr>
               <a:t>Compose</a:t>
             </a:r>
-            <a:endParaRPr lang="zh-TW" altLang="en-US" dirty="0"/>
-          </a:p>
-        </p:txBody>
-      </p:sp>
-      <p:sp>
-        <p:nvSpPr>
-          <p:cNvPr id="3" name="矩形 2"/>
+            <a:endParaRPr sz="6400" dirty="0">
+              <a:latin typeface="Microsoft JhengHei"/>
+              <a:cs typeface="Microsoft JhengHei"/>
+            </a:endParaRPr>
+          </a:p>
+        </p:txBody>
+      </p:sp>
+      <p:sp>
+        <p:nvSpPr>
+          <p:cNvPr id="44" name="矩形 43"/>
           <p:cNvSpPr/>
           <p:nvPr/>
         </p:nvSpPr>
         <p:spPr>
           <a:xfrm>
-            <a:off x="562788" y="2009401"/>
-            <a:ext cx="12032384" cy="4014176"/>
+            <a:off x="486208" y="1804587"/>
+            <a:ext cx="12032384" cy="1317925"/>
           </a:xfrm>
           <a:prstGeom prst="rect">
             <a:avLst/>
@@ -5812,444 +7628,6 @@
               <a:buChar char="»"/>
             </a:pPr>
             <a:r>
-              <a:rPr lang="zh-TW" altLang="en-US" sz="3982" b="1" dirty="0" smtClean="0">
-                <a:solidFill>
-                  <a:srgbClr val="000000"/>
-                </a:solidFill>
-                <a:latin typeface="Arial" charset="0"/>
-                <a:ea typeface="SimSun" pitchFamily="2" charset="-122"/>
-              </a:rPr>
-              <a:t>用於</a:t>
-            </a:r>
-            <a:r>
-              <a:rPr lang="zh-TW" altLang="en-US" sz="3982" b="1" dirty="0">
-                <a:solidFill>
-                  <a:srgbClr val="000000"/>
-                </a:solidFill>
-                <a:latin typeface="Arial" charset="0"/>
-                <a:ea typeface="SimSun" pitchFamily="2" charset="-122"/>
-              </a:rPr>
-              <a:t>定義和運行多容器</a:t>
-            </a:r>
-            <a:r>
-              <a:rPr lang="en-US" altLang="zh-TW" sz="3982" b="1" dirty="0">
-                <a:solidFill>
-                  <a:srgbClr val="000000"/>
-                </a:solidFill>
-                <a:latin typeface="Arial" charset="0"/>
-                <a:ea typeface="SimSun" pitchFamily="2" charset="-122"/>
-              </a:rPr>
-              <a:t>Docker</a:t>
-            </a:r>
-            <a:r>
-              <a:rPr lang="zh-TW" altLang="en-US" sz="3982" b="1" dirty="0">
-                <a:solidFill>
-                  <a:srgbClr val="000000"/>
-                </a:solidFill>
-                <a:latin typeface="Arial" charset="0"/>
-                <a:ea typeface="SimSun" pitchFamily="2" charset="-122"/>
-              </a:rPr>
-              <a:t>應用程序的工具</a:t>
-            </a:r>
-            <a:endParaRPr lang="en-US" altLang="zh-TW" sz="3982" b="1" dirty="0">
-              <a:solidFill>
-                <a:srgbClr val="000000"/>
-              </a:solidFill>
-              <a:latin typeface="Arial" charset="0"/>
-              <a:ea typeface="SimSun" pitchFamily="2" charset="-122"/>
-            </a:endParaRPr>
-          </a:p>
-          <a:p>
-            <a:pPr marL="487672" lvl="1" indent="-487672" defTabSz="1300460" eaLnBrk="0" fontAlgn="base" hangingPunct="0">
-              <a:spcBef>
-                <a:spcPct val="20000"/>
-              </a:spcBef>
-              <a:spcAft>
-                <a:spcPct val="0"/>
-              </a:spcAft>
-              <a:buFont typeface="微軟正黑體" pitchFamily="34" charset="-120"/>
-              <a:buChar char="»"/>
-            </a:pPr>
-            <a:r>
-              <a:rPr lang="zh-TW" altLang="en-US" sz="3982" b="1" dirty="0">
-                <a:solidFill>
-                  <a:srgbClr val="000000"/>
-                </a:solidFill>
-                <a:latin typeface="Arial" charset="0"/>
-                <a:ea typeface="SimSun" pitchFamily="2" charset="-122"/>
-              </a:rPr>
-              <a:t>使</a:t>
-            </a:r>
-            <a:r>
-              <a:rPr lang="zh-TW" altLang="en-US" sz="3982" b="1" dirty="0" smtClean="0">
-                <a:solidFill>
-                  <a:srgbClr val="000000"/>
-                </a:solidFill>
-                <a:latin typeface="Arial" charset="0"/>
-                <a:ea typeface="SimSun" pitchFamily="2" charset="-122"/>
-              </a:rPr>
-              <a:t>用</a:t>
-            </a:r>
-            <a:r>
-              <a:rPr lang="zh-TW" altLang="en-US" sz="3982" b="1" dirty="0">
-                <a:solidFill>
-                  <a:srgbClr val="000000"/>
-                </a:solidFill>
-                <a:latin typeface="Arial" charset="0"/>
-                <a:ea typeface="SimSun" pitchFamily="2" charset="-122"/>
-              </a:rPr>
-              <a:t>一個描述檔</a:t>
-            </a:r>
-            <a:r>
-              <a:rPr lang="en-US" altLang="zh-TW" sz="3982" b="1" dirty="0">
-                <a:solidFill>
-                  <a:srgbClr val="000000"/>
-                </a:solidFill>
-                <a:latin typeface="Arial" charset="0"/>
-                <a:ea typeface="SimSun" pitchFamily="2" charset="-122"/>
-              </a:rPr>
-              <a:t>(</a:t>
-            </a:r>
-            <a:r>
-              <a:rPr lang="zh-TW" altLang="en-US" sz="3982" b="1" dirty="0">
-                <a:solidFill>
-                  <a:srgbClr val="000000"/>
-                </a:solidFill>
-                <a:latin typeface="Arial" charset="0"/>
-                <a:ea typeface="SimSun" pitchFamily="2" charset="-122"/>
-              </a:rPr>
-              <a:t>預設名稱是 </a:t>
-            </a:r>
-            <a:r>
-              <a:rPr lang="en-US" altLang="zh-TW" sz="3982" b="1" dirty="0" err="1">
-                <a:solidFill>
-                  <a:srgbClr val="000000"/>
-                </a:solidFill>
-                <a:latin typeface="Arial" charset="0"/>
-                <a:ea typeface="SimSun" pitchFamily="2" charset="-122"/>
-              </a:rPr>
-              <a:t>docker-compose.yml</a:t>
-            </a:r>
-            <a:r>
-              <a:rPr lang="en-US" altLang="zh-TW" sz="3982" b="1" dirty="0">
-                <a:solidFill>
-                  <a:srgbClr val="000000"/>
-                </a:solidFill>
-                <a:latin typeface="Arial" charset="0"/>
-                <a:ea typeface="SimSun" pitchFamily="2" charset="-122"/>
-              </a:rPr>
-              <a:t> </a:t>
-            </a:r>
-            <a:r>
-              <a:rPr lang="en-US" altLang="zh-TW" sz="3982" b="1" dirty="0" smtClean="0">
-                <a:solidFill>
-                  <a:srgbClr val="000000"/>
-                </a:solidFill>
-                <a:latin typeface="Arial" charset="0"/>
-                <a:ea typeface="SimSun" pitchFamily="2" charset="-122"/>
-              </a:rPr>
-              <a:t>)</a:t>
-            </a:r>
-            <a:r>
-              <a:rPr lang="zh-TW" altLang="en-US" sz="3982" b="1" dirty="0" smtClean="0">
-                <a:solidFill>
-                  <a:srgbClr val="000000"/>
-                </a:solidFill>
-                <a:latin typeface="Arial" charset="0"/>
-                <a:ea typeface="SimSun" pitchFamily="2" charset="-122"/>
-              </a:rPr>
-              <a:t>建置多</a:t>
-            </a:r>
-            <a:r>
-              <a:rPr lang="zh-TW" altLang="en-US" sz="3982" b="1" dirty="0">
-                <a:solidFill>
-                  <a:srgbClr val="000000"/>
-                </a:solidFill>
-                <a:latin typeface="Arial" charset="0"/>
-                <a:ea typeface="SimSun" pitchFamily="2" charset="-122"/>
-              </a:rPr>
-              <a:t>個容器</a:t>
-            </a:r>
-            <a:r>
-              <a:rPr lang="zh-TW" altLang="en-US" sz="3982" b="1" dirty="0" smtClean="0">
-                <a:solidFill>
-                  <a:srgbClr val="000000"/>
-                </a:solidFill>
-                <a:latin typeface="Arial" charset="0"/>
-                <a:ea typeface="SimSun" pitchFamily="2" charset="-122"/>
-              </a:rPr>
-              <a:t>，同時</a:t>
-            </a:r>
-            <a:r>
-              <a:rPr lang="zh-TW" altLang="en-US" sz="3982" b="1" dirty="0">
-                <a:solidFill>
-                  <a:srgbClr val="000000"/>
-                </a:solidFill>
-                <a:latin typeface="Arial" charset="0"/>
-                <a:ea typeface="SimSun" pitchFamily="2" charset="-122"/>
-              </a:rPr>
-              <a:t>管理、操作它們</a:t>
-            </a:r>
-            <a:endParaRPr lang="zh-TW" altLang="zh-TW" sz="3982" b="1" dirty="0">
-              <a:solidFill>
-                <a:srgbClr val="000000"/>
-              </a:solidFill>
-              <a:latin typeface="Arial" charset="0"/>
-              <a:ea typeface="SimSun" pitchFamily="2" charset="-122"/>
-            </a:endParaRPr>
-          </a:p>
-          <a:p>
-            <a:pPr marL="487672" lvl="1" indent="-487672" defTabSz="1300460" eaLnBrk="0" fontAlgn="base" hangingPunct="0">
-              <a:spcBef>
-                <a:spcPct val="20000"/>
-              </a:spcBef>
-              <a:spcAft>
-                <a:spcPct val="0"/>
-              </a:spcAft>
-              <a:buFont typeface="微軟正黑體" pitchFamily="34" charset="-120"/>
-              <a:buChar char="»"/>
-            </a:pPr>
-            <a:r>
-              <a:rPr lang="zh-TW" altLang="en-US" sz="3982" b="1" dirty="0" smtClean="0">
-                <a:solidFill>
-                  <a:srgbClr val="000000"/>
-                </a:solidFill>
-                <a:latin typeface="Arial" charset="0"/>
-                <a:ea typeface="SimSun" pitchFamily="2" charset="-122"/>
-              </a:rPr>
-              <a:t>可在所有環境中運作：</a:t>
-            </a:r>
-            <a:r>
-              <a:rPr lang="en-US" altLang="zh-TW" sz="3982" b="1" dirty="0" smtClean="0">
-                <a:solidFill>
-                  <a:srgbClr val="000000"/>
-                </a:solidFill>
-                <a:latin typeface="Arial" charset="0"/>
-                <a:ea typeface="SimSun" pitchFamily="2" charset="-122"/>
-              </a:rPr>
-              <a:t>Production</a:t>
-            </a:r>
-            <a:r>
-              <a:rPr lang="zh-TW" altLang="en-US" sz="3982" b="1" dirty="0" smtClean="0">
-                <a:solidFill>
-                  <a:srgbClr val="000000"/>
-                </a:solidFill>
-                <a:latin typeface="Arial" charset="0"/>
-                <a:ea typeface="SimSun" pitchFamily="2" charset="-122"/>
-              </a:rPr>
-              <a:t>，</a:t>
-            </a:r>
-            <a:r>
-              <a:rPr lang="en-US" altLang="zh-TW" sz="3982" b="1" dirty="0" smtClean="0">
-                <a:solidFill>
-                  <a:srgbClr val="000000"/>
-                </a:solidFill>
-                <a:latin typeface="Arial" charset="0"/>
-                <a:ea typeface="SimSun" pitchFamily="2" charset="-122"/>
-              </a:rPr>
-              <a:t>Development</a:t>
-            </a:r>
-            <a:r>
-              <a:rPr lang="zh-TW" altLang="en-US" sz="3982" b="1" dirty="0" smtClean="0">
-                <a:solidFill>
-                  <a:srgbClr val="000000"/>
-                </a:solidFill>
-                <a:latin typeface="Arial" charset="0"/>
-                <a:ea typeface="SimSun" pitchFamily="2" charset="-122"/>
-              </a:rPr>
-              <a:t>，</a:t>
-            </a:r>
-            <a:r>
-              <a:rPr lang="en-US" altLang="zh-TW" sz="3982" b="1" dirty="0" smtClean="0">
-                <a:solidFill>
-                  <a:srgbClr val="000000"/>
-                </a:solidFill>
-                <a:latin typeface="Arial" charset="0"/>
-                <a:ea typeface="SimSun" pitchFamily="2" charset="-122"/>
-              </a:rPr>
-              <a:t>Testing</a:t>
-            </a:r>
-            <a:r>
-              <a:rPr lang="zh-TW" altLang="en-US" sz="3982" b="1" dirty="0" smtClean="0">
-                <a:solidFill>
-                  <a:srgbClr val="000000"/>
-                </a:solidFill>
-                <a:latin typeface="Arial" charset="0"/>
-                <a:ea typeface="SimSun" pitchFamily="2" charset="-122"/>
-              </a:rPr>
-              <a:t>，和</a:t>
-            </a:r>
-            <a:r>
-              <a:rPr lang="en-US" altLang="zh-TW" sz="3982" b="1" dirty="0" smtClean="0">
-                <a:solidFill>
-                  <a:srgbClr val="000000"/>
-                </a:solidFill>
-                <a:latin typeface="Arial" charset="0"/>
-                <a:ea typeface="SimSun" pitchFamily="2" charset="-122"/>
-              </a:rPr>
-              <a:t>CI</a:t>
-            </a:r>
-            <a:endParaRPr lang="zh-TW" altLang="zh-TW" sz="3982" b="1" dirty="0">
-              <a:solidFill>
-                <a:srgbClr val="000000"/>
-              </a:solidFill>
-              <a:latin typeface="Arial" charset="0"/>
-              <a:ea typeface="SimSun" pitchFamily="2" charset="-122"/>
-            </a:endParaRPr>
-          </a:p>
-        </p:txBody>
-      </p:sp>
-    </p:spTree>
-    <p:extLst>
-      <p:ext uri="{BB962C8B-B14F-4D97-AF65-F5344CB8AC3E}">
-        <p14:creationId xmlns:p14="http://schemas.microsoft.com/office/powerpoint/2010/main" val="1055435211"/>
-      </p:ext>
-    </p:extLst>
-  </p:cSld>
-  <p:clrMapOvr>
-    <a:masterClrMapping/>
-  </p:clrMapOvr>
-  <p:timing>
-    <p:tnLst>
-      <p:par>
-        <p:cTn id="1" dur="indefinite" restart="never" nodeType="tmRoot"/>
-      </p:par>
-    </p:tnLst>
-  </p:timing>
-</p:sld>
-</file>
-
-<file path=ppt/slides/slide4.xml><?xml version="1.0" encoding="utf-8"?>
-<p:sld xmlns:a="http://schemas.openxmlformats.org/drawingml/2006/main" xmlns:r="http://schemas.openxmlformats.org/officeDocument/2006/relationships" xmlns:p="http://schemas.openxmlformats.org/presentationml/2006/main">
-  <p:cSld>
-    <p:spTree>
-      <p:nvGrpSpPr>
-        <p:cNvPr id="1" name=""/>
-        <p:cNvGrpSpPr/>
-        <p:nvPr/>
-      </p:nvGrpSpPr>
-      <p:grpSpPr>
-        <a:xfrm>
-          <a:off x="0" y="0"/>
-          <a:ext cx="0" cy="0"/>
-          <a:chOff x="0" y="0"/>
-          <a:chExt cx="0" cy="0"/>
-        </a:xfrm>
-      </p:grpSpPr>
-      <p:sp>
-        <p:nvSpPr>
-          <p:cNvPr id="2" name="object 2"/>
-          <p:cNvSpPr txBox="1">
-            <a:spLocks noGrp="1"/>
-          </p:cNvSpPr>
-          <p:nvPr>
-            <p:ph type="title"/>
-          </p:nvPr>
-        </p:nvSpPr>
-        <p:spPr>
-          <a:xfrm>
-            <a:off x="1798624" y="448562"/>
-            <a:ext cx="9408160" cy="1000760"/>
-          </a:xfrm>
-          <a:prstGeom prst="rect">
-            <a:avLst/>
-          </a:prstGeom>
-        </p:spPr>
-        <p:txBody>
-          <a:bodyPr vert="horz" wrap="square" lIns="0" tIns="12700" rIns="0" bIns="0" rtlCol="0">
-            <a:spAutoFit/>
-          </a:bodyPr>
-          <a:lstStyle/>
-          <a:p>
-            <a:pPr marL="12700" algn="ctr">
-              <a:lnSpc>
-                <a:spcPct val="100000"/>
-              </a:lnSpc>
-              <a:spcBef>
-                <a:spcPts val="100"/>
-              </a:spcBef>
-            </a:pPr>
-            <a:r>
-              <a:rPr lang="zh-TW" altLang="en-US" sz="6400" dirty="0" smtClean="0">
-                <a:latin typeface="Microsoft JhengHei"/>
-                <a:cs typeface="Microsoft JhengHei"/>
-              </a:rPr>
-              <a:t>安</a:t>
-            </a:r>
-            <a:r>
-              <a:rPr lang="zh-TW" altLang="en-US" sz="6400" dirty="0">
-                <a:latin typeface="Microsoft JhengHei"/>
-                <a:cs typeface="Microsoft JhengHei"/>
-              </a:rPr>
-              <a:t>裝</a:t>
-            </a:r>
-            <a:r>
-              <a:rPr lang="en-US" sz="6400" dirty="0" smtClean="0">
-                <a:latin typeface="Microsoft JhengHei"/>
-                <a:cs typeface="Microsoft JhengHei"/>
-              </a:rPr>
-              <a:t> </a:t>
-            </a:r>
-            <a:r>
-              <a:rPr lang="en-US" sz="6400" dirty="0" smtClean="0">
-                <a:latin typeface="Microsoft JhengHei"/>
-                <a:cs typeface="Microsoft JhengHei"/>
-              </a:rPr>
-              <a:t>Docker</a:t>
-            </a:r>
-            <a:r>
-              <a:rPr lang="zh-TW" altLang="en-US" sz="6400" dirty="0" smtClean="0">
-                <a:latin typeface="Microsoft JhengHei"/>
-                <a:cs typeface="Microsoft JhengHei"/>
-              </a:rPr>
-              <a:t> </a:t>
-            </a:r>
-            <a:r>
-              <a:rPr lang="en-US" altLang="zh-TW" sz="6400" dirty="0" smtClean="0">
-                <a:latin typeface="Microsoft JhengHei"/>
-                <a:cs typeface="Microsoft JhengHei"/>
-              </a:rPr>
-              <a:t>Compose</a:t>
-            </a:r>
-            <a:endParaRPr sz="6400" dirty="0">
-              <a:latin typeface="Microsoft JhengHei"/>
-              <a:cs typeface="Microsoft JhengHei"/>
-            </a:endParaRPr>
-          </a:p>
-        </p:txBody>
-      </p:sp>
-      <p:sp>
-        <p:nvSpPr>
-          <p:cNvPr id="44" name="矩形 43"/>
-          <p:cNvSpPr/>
-          <p:nvPr/>
-        </p:nvSpPr>
-        <p:spPr>
-          <a:xfrm>
-            <a:off x="486208" y="1804587"/>
-            <a:ext cx="12032384" cy="1317925"/>
-          </a:xfrm>
-          <a:prstGeom prst="rect">
-            <a:avLst/>
-          </a:prstGeom>
-        </p:spPr>
-        <p:txBody>
-          <a:bodyPr wrap="square">
-            <a:spAutoFit/>
-          </a:bodyPr>
-          <a:lstStyle/>
-          <a:p>
-            <a:pPr marL="487672" lvl="1" indent="-487672" defTabSz="1300460" eaLnBrk="0" fontAlgn="base" hangingPunct="0">
-              <a:spcBef>
-                <a:spcPct val="20000"/>
-              </a:spcBef>
-              <a:spcAft>
-                <a:spcPct val="0"/>
-              </a:spcAft>
-              <a:buFont typeface="微軟正黑體" pitchFamily="34" charset="-120"/>
-              <a:buChar char="»"/>
-            </a:pPr>
-            <a:r>
               <a:rPr lang="en-US" altLang="zh-TW" sz="3982" b="1" dirty="0" smtClean="0">
                 <a:solidFill>
                   <a:srgbClr val="AE4845">
@@ -6275,16 +7653,6 @@
               </a:rPr>
               <a:t>://docs.docker.com/compose/install/</a:t>
             </a:r>
-            <a:endParaRPr lang="en-US" altLang="zh-TW" sz="3982" b="1" dirty="0">
-              <a:solidFill>
-                <a:srgbClr val="AE4845">
-                  <a:lumMod val="50000"/>
-                </a:srgbClr>
-              </a:solidFill>
-              <a:latin typeface="微軟正黑體" panose="020B0604030504040204" pitchFamily="34" charset="-120"/>
-              <a:ea typeface="微軟正黑體" panose="020B0604030504040204" pitchFamily="34" charset="-120"/>
-              <a:cs typeface="Arial Unicode MS" pitchFamily="34" charset="-120"/>
-            </a:endParaRPr>
           </a:p>
           <a:p>
             <a:pPr defTabSz="1300460" eaLnBrk="0" fontAlgn="base" hangingPunct="0">
@@ -6345,6 +7713,423 @@
 </p:sld>
 </file>
 
+<file path=ppt/slides/slide4.xml><?xml version="1.0" encoding="utf-8"?>
+<p:sld xmlns:a="http://schemas.openxmlformats.org/drawingml/2006/main" xmlns:r="http://schemas.openxmlformats.org/officeDocument/2006/relationships" xmlns:p="http://schemas.openxmlformats.org/presentationml/2006/main">
+  <p:cSld>
+    <p:spTree>
+      <p:nvGrpSpPr>
+        <p:cNvPr id="1" name=""/>
+        <p:cNvGrpSpPr/>
+        <p:nvPr/>
+      </p:nvGrpSpPr>
+      <p:grpSpPr>
+        <a:xfrm>
+          <a:off x="0" y="0"/>
+          <a:ext cx="0" cy="0"/>
+          <a:chOff x="0" y="0"/>
+          <a:chExt cx="0" cy="0"/>
+        </a:xfrm>
+      </p:grpSpPr>
+      <p:sp>
+        <p:nvSpPr>
+          <p:cNvPr id="2" name="標題 1"/>
+          <p:cNvSpPr>
+            <a:spLocks noGrp="1"/>
+          </p:cNvSpPr>
+          <p:nvPr>
+            <p:ph type="title"/>
+          </p:nvPr>
+        </p:nvSpPr>
+        <p:spPr>
+          <a:xfrm>
+            <a:off x="650241" y="390596"/>
+            <a:ext cx="12098994" cy="1210169"/>
+          </a:xfrm>
+        </p:spPr>
+        <p:txBody>
+          <a:bodyPr/>
+          <a:lstStyle/>
+          <a:p>
+            <a:pPr algn="ctr"/>
+            <a:r>
+              <a:rPr lang="zh-TW" altLang="en-US" dirty="0" smtClean="0"/>
+              <a:t>使用四步驟</a:t>
+            </a:r>
+            <a:endParaRPr lang="zh-TW" altLang="en-US" dirty="0"/>
+          </a:p>
+        </p:txBody>
+      </p:sp>
+      <p:sp>
+        <p:nvSpPr>
+          <p:cNvPr id="3" name="矩形 2"/>
+          <p:cNvSpPr/>
+          <p:nvPr/>
+        </p:nvSpPr>
+        <p:spPr>
+          <a:xfrm>
+            <a:off x="562788" y="2009401"/>
+            <a:ext cx="12032384" cy="5362302"/>
+          </a:xfrm>
+          <a:prstGeom prst="rect">
+            <a:avLst/>
+          </a:prstGeom>
+        </p:spPr>
+        <p:txBody>
+          <a:bodyPr wrap="square">
+            <a:spAutoFit/>
+          </a:bodyPr>
+          <a:lstStyle/>
+          <a:p>
+            <a:pPr marL="742950" lvl="1" indent="-742950" defTabSz="1300460" eaLnBrk="0" fontAlgn="base" hangingPunct="0">
+              <a:spcBef>
+                <a:spcPct val="20000"/>
+              </a:spcBef>
+              <a:spcAft>
+                <a:spcPct val="0"/>
+              </a:spcAft>
+              <a:buFont typeface="+mj-lt"/>
+              <a:buAutoNum type="arabicPeriod"/>
+            </a:pPr>
+            <a:r>
+              <a:rPr lang="zh-TW" altLang="en-US" sz="3982" b="1" dirty="0" smtClean="0">
+                <a:solidFill>
+                  <a:srgbClr val="000000"/>
+                </a:solidFill>
+                <a:latin typeface="Arial" charset="0"/>
+                <a:ea typeface="SimSun" pitchFamily="2" charset="-122"/>
+              </a:rPr>
+              <a:t>定義</a:t>
+            </a:r>
+            <a:r>
+              <a:rPr lang="zh-TW" altLang="en-US" sz="3982" b="1" dirty="0">
+                <a:solidFill>
+                  <a:srgbClr val="000000"/>
+                </a:solidFill>
+                <a:latin typeface="Arial" charset="0"/>
+                <a:ea typeface="SimSun" pitchFamily="2" charset="-122"/>
+              </a:rPr>
+              <a:t>您</a:t>
+            </a:r>
+            <a:r>
+              <a:rPr lang="zh-TW" altLang="en-US" sz="3982" b="1" dirty="0" smtClean="0">
+                <a:solidFill>
+                  <a:srgbClr val="000000"/>
+                </a:solidFill>
+                <a:latin typeface="Arial" charset="0"/>
+                <a:ea typeface="SimSun" pitchFamily="2" charset="-122"/>
+              </a:rPr>
+              <a:t>的</a:t>
+            </a:r>
+            <a:r>
+              <a:rPr lang="en-US" altLang="zh-TW" sz="3982" b="1" dirty="0" smtClean="0">
+                <a:solidFill>
+                  <a:srgbClr val="000000"/>
+                </a:solidFill>
+                <a:latin typeface="Arial" charset="0"/>
+                <a:ea typeface="SimSun" pitchFamily="2" charset="-122"/>
+              </a:rPr>
+              <a:t>app</a:t>
+            </a:r>
+            <a:r>
+              <a:rPr lang="zh-TW" altLang="en-US" sz="3982" b="1" dirty="0" smtClean="0">
+                <a:solidFill>
+                  <a:srgbClr val="000000"/>
+                </a:solidFill>
+                <a:latin typeface="Arial" charset="0"/>
+                <a:ea typeface="SimSun" pitchFamily="2" charset="-122"/>
+              </a:rPr>
+              <a:t>服務的環境，使用</a:t>
+            </a:r>
+            <a:r>
+              <a:rPr lang="en-US" altLang="zh-TW" sz="3982" b="1" dirty="0" err="1" smtClean="0">
+                <a:solidFill>
+                  <a:srgbClr val="000000"/>
+                </a:solidFill>
+                <a:latin typeface="Arial" charset="0"/>
+                <a:ea typeface="SimSun" pitchFamily="2" charset="-122"/>
+              </a:rPr>
+              <a:t>Dockerfile</a:t>
+            </a:r>
+            <a:r>
+              <a:rPr lang="zh-TW" altLang="en-US" sz="3982" b="1" dirty="0">
+                <a:solidFill>
+                  <a:srgbClr val="000000"/>
+                </a:solidFill>
+                <a:latin typeface="Arial" charset="0"/>
+                <a:ea typeface="SimSun" pitchFamily="2" charset="-122"/>
+              </a:rPr>
+              <a:t>以便</a:t>
+            </a:r>
+            <a:r>
+              <a:rPr lang="zh-TW" altLang="en-US" sz="3982" b="1" dirty="0" smtClean="0">
+                <a:solidFill>
+                  <a:srgbClr val="000000"/>
+                </a:solidFill>
+                <a:latin typeface="Arial" charset="0"/>
+                <a:ea typeface="SimSun" pitchFamily="2" charset="-122"/>
+              </a:rPr>
+              <a:t>可以建立。</a:t>
+            </a:r>
+            <a:endParaRPr lang="zh-TW" altLang="en-US" sz="3982" b="1" dirty="0">
+              <a:solidFill>
+                <a:srgbClr val="000000"/>
+              </a:solidFill>
+              <a:latin typeface="Arial" charset="0"/>
+              <a:ea typeface="SimSun" pitchFamily="2" charset="-122"/>
+            </a:endParaRPr>
+          </a:p>
+          <a:p>
+            <a:pPr marL="742950" lvl="1" indent="-742950" defTabSz="1300460" eaLnBrk="0" fontAlgn="base" hangingPunct="0">
+              <a:spcBef>
+                <a:spcPct val="20000"/>
+              </a:spcBef>
+              <a:spcAft>
+                <a:spcPct val="0"/>
+              </a:spcAft>
+              <a:buFont typeface="+mj-lt"/>
+              <a:buAutoNum type="arabicPeriod"/>
+            </a:pPr>
+            <a:r>
+              <a:rPr lang="zh-TW" altLang="en-US" sz="3982" b="1" dirty="0" smtClean="0">
+                <a:solidFill>
+                  <a:srgbClr val="000000"/>
+                </a:solidFill>
+                <a:latin typeface="Arial" charset="0"/>
+                <a:ea typeface="SimSun" pitchFamily="2" charset="-122"/>
+              </a:rPr>
+              <a:t>建立</a:t>
+            </a:r>
+            <a:r>
+              <a:rPr lang="en-US" altLang="zh-TW" sz="3982" b="1" dirty="0" err="1" smtClean="0">
+                <a:solidFill>
+                  <a:srgbClr val="000000"/>
+                </a:solidFill>
+                <a:latin typeface="Arial" charset="0"/>
+                <a:ea typeface="SimSun" pitchFamily="2" charset="-122"/>
+              </a:rPr>
+              <a:t>docker-compose.yml</a:t>
+            </a:r>
+            <a:r>
+              <a:rPr lang="zh-TW" altLang="en-US" sz="3982" b="1" dirty="0">
+                <a:solidFill>
+                  <a:srgbClr val="000000"/>
+                </a:solidFill>
+                <a:latin typeface="Arial" charset="0"/>
+                <a:ea typeface="SimSun" pitchFamily="2" charset="-122"/>
+              </a:rPr>
+              <a:t>定義</a:t>
+            </a:r>
+            <a:r>
+              <a:rPr lang="zh-TW" altLang="en-US" sz="3982" b="1" dirty="0" smtClean="0">
+                <a:solidFill>
+                  <a:srgbClr val="000000"/>
+                </a:solidFill>
+                <a:latin typeface="Arial" charset="0"/>
+                <a:ea typeface="SimSun" pitchFamily="2" charset="-122"/>
+              </a:rPr>
+              <a:t>組成</a:t>
+            </a:r>
+            <a:r>
+              <a:rPr lang="zh-TW" altLang="en-US" sz="3982" b="1" dirty="0">
+                <a:solidFill>
+                  <a:srgbClr val="000000"/>
+                </a:solidFill>
+                <a:latin typeface="Arial" charset="0"/>
+                <a:ea typeface="SimSun" pitchFamily="2" charset="-122"/>
+              </a:rPr>
+              <a:t>多個</a:t>
+            </a:r>
+            <a:r>
+              <a:rPr lang="en-US" altLang="zh-TW" sz="3982" b="1" dirty="0" smtClean="0">
+                <a:solidFill>
+                  <a:srgbClr val="000000"/>
+                </a:solidFill>
+                <a:latin typeface="Arial" charset="0"/>
+                <a:ea typeface="SimSun" pitchFamily="2" charset="-122"/>
+              </a:rPr>
+              <a:t>app</a:t>
+            </a:r>
+            <a:r>
+              <a:rPr lang="zh-TW" altLang="en-US" sz="3982" b="1" dirty="0" smtClean="0">
+                <a:solidFill>
+                  <a:srgbClr val="000000"/>
+                </a:solidFill>
+                <a:latin typeface="Arial" charset="0"/>
+                <a:ea typeface="SimSun" pitchFamily="2" charset="-122"/>
+              </a:rPr>
+              <a:t>服務以便</a:t>
+            </a:r>
+            <a:r>
+              <a:rPr lang="zh-TW" altLang="en-US" sz="3982" b="1" dirty="0">
+                <a:solidFill>
+                  <a:srgbClr val="000000"/>
+                </a:solidFill>
+                <a:latin typeface="Arial" charset="0"/>
+                <a:ea typeface="SimSun" pitchFamily="2" charset="-122"/>
+              </a:rPr>
+              <a:t>它們可以在隔離的環境中一起</a:t>
+            </a:r>
+            <a:r>
+              <a:rPr lang="zh-TW" altLang="en-US" sz="3982" b="1" dirty="0" smtClean="0">
+                <a:solidFill>
+                  <a:srgbClr val="000000"/>
+                </a:solidFill>
+                <a:latin typeface="Arial" charset="0"/>
+                <a:ea typeface="SimSun" pitchFamily="2" charset="-122"/>
+              </a:rPr>
+              <a:t>運行</a:t>
+            </a:r>
+          </a:p>
+          <a:p>
+            <a:pPr marL="742950" lvl="1" indent="-742950" defTabSz="1300460" eaLnBrk="0" fontAlgn="base" hangingPunct="0">
+              <a:spcBef>
+                <a:spcPct val="20000"/>
+              </a:spcBef>
+              <a:spcAft>
+                <a:spcPct val="0"/>
+              </a:spcAft>
+              <a:buFont typeface="+mj-lt"/>
+              <a:buAutoNum type="arabicPeriod"/>
+            </a:pPr>
+            <a:r>
+              <a:rPr lang="en-US" altLang="zh-TW" sz="3982" b="1" dirty="0" err="1" smtClean="0">
+                <a:solidFill>
+                  <a:srgbClr val="000000"/>
+                </a:solidFill>
+                <a:latin typeface="Arial" charset="0"/>
+                <a:ea typeface="SimSun" pitchFamily="2" charset="-122"/>
+              </a:rPr>
+              <a:t>docker</a:t>
+            </a:r>
+            <a:r>
+              <a:rPr lang="en-US" altLang="zh-TW" sz="3982" b="1" dirty="0" smtClean="0">
+                <a:solidFill>
+                  <a:srgbClr val="000000"/>
+                </a:solidFill>
+                <a:latin typeface="Arial" charset="0"/>
+                <a:ea typeface="SimSun" pitchFamily="2" charset="-122"/>
+              </a:rPr>
+              <a:t>-compose build</a:t>
+            </a:r>
+            <a:r>
+              <a:rPr lang="zh-TW" altLang="en-US" sz="3982" b="1" dirty="0" smtClean="0">
+                <a:solidFill>
+                  <a:srgbClr val="000000"/>
+                </a:solidFill>
+                <a:latin typeface="Arial" charset="0"/>
+                <a:ea typeface="SimSun" pitchFamily="2" charset="-122"/>
+              </a:rPr>
+              <a:t>建立所有的</a:t>
+            </a:r>
+            <a:r>
+              <a:rPr lang="en-US" altLang="zh-TW" sz="3982" b="1" dirty="0" smtClean="0">
+                <a:solidFill>
+                  <a:srgbClr val="000000"/>
+                </a:solidFill>
+                <a:latin typeface="Arial" charset="0"/>
+                <a:ea typeface="SimSun" pitchFamily="2" charset="-122"/>
+              </a:rPr>
+              <a:t>app</a:t>
+            </a:r>
+            <a:r>
+              <a:rPr lang="zh-TW" altLang="en-US" sz="3982" b="1" dirty="0" smtClean="0">
+                <a:solidFill>
+                  <a:srgbClr val="000000"/>
+                </a:solidFill>
+                <a:latin typeface="Arial" charset="0"/>
+                <a:ea typeface="SimSun" pitchFamily="2" charset="-122"/>
+              </a:rPr>
+              <a:t>服務之映像檔</a:t>
+            </a:r>
+            <a:endParaRPr lang="en-US" altLang="zh-TW" sz="3982" b="1" dirty="0" smtClean="0">
+              <a:solidFill>
+                <a:srgbClr val="000000"/>
+              </a:solidFill>
+              <a:latin typeface="Arial" charset="0"/>
+              <a:ea typeface="SimSun" pitchFamily="2" charset="-122"/>
+            </a:endParaRPr>
+          </a:p>
+          <a:p>
+            <a:pPr marL="742950" lvl="1" indent="-742950" defTabSz="1300460" eaLnBrk="0" fontAlgn="base" hangingPunct="0">
+              <a:spcBef>
+                <a:spcPct val="20000"/>
+              </a:spcBef>
+              <a:spcAft>
+                <a:spcPct val="0"/>
+              </a:spcAft>
+              <a:buFont typeface="+mj-lt"/>
+              <a:buAutoNum type="arabicPeriod"/>
+            </a:pPr>
+            <a:r>
+              <a:rPr lang="en-US" altLang="zh-TW" sz="3982" b="1" dirty="0" err="1">
+                <a:solidFill>
+                  <a:srgbClr val="000000"/>
+                </a:solidFill>
+                <a:latin typeface="Arial" charset="0"/>
+                <a:ea typeface="SimSun" pitchFamily="2" charset="-122"/>
+              </a:rPr>
+              <a:t>docker</a:t>
+            </a:r>
+            <a:r>
+              <a:rPr lang="en-US" altLang="zh-TW" sz="3982" b="1" dirty="0">
+                <a:solidFill>
+                  <a:srgbClr val="000000"/>
+                </a:solidFill>
+                <a:latin typeface="Arial" charset="0"/>
+                <a:ea typeface="SimSun" pitchFamily="2" charset="-122"/>
+              </a:rPr>
+              <a:t>-compose </a:t>
+            </a:r>
+            <a:r>
+              <a:rPr lang="en-US" altLang="zh-TW" sz="3982" b="1" dirty="0" smtClean="0">
+                <a:solidFill>
+                  <a:srgbClr val="000000"/>
+                </a:solidFill>
+                <a:latin typeface="Arial" charset="0"/>
+                <a:ea typeface="SimSun" pitchFamily="2" charset="-122"/>
+              </a:rPr>
+              <a:t>up</a:t>
+            </a:r>
+            <a:r>
+              <a:rPr lang="zh-TW" altLang="en-US" sz="3982" b="1" dirty="0" smtClean="0">
+                <a:solidFill>
+                  <a:srgbClr val="000000"/>
+                </a:solidFill>
+                <a:latin typeface="Arial" charset="0"/>
+                <a:ea typeface="SimSun" pitchFamily="2" charset="-122"/>
+              </a:rPr>
+              <a:t> 啟動並運行您的整個應用程序。</a:t>
+            </a:r>
+            <a:endParaRPr lang="zh-TW" altLang="zh-TW" sz="3982" b="1" dirty="0">
+              <a:solidFill>
+                <a:srgbClr val="000000"/>
+              </a:solidFill>
+              <a:latin typeface="Arial" charset="0"/>
+              <a:ea typeface="SimSun" pitchFamily="2" charset="-122"/>
+            </a:endParaRPr>
+          </a:p>
+        </p:txBody>
+      </p:sp>
+    </p:spTree>
+    <p:extLst>
+      <p:ext uri="{BB962C8B-B14F-4D97-AF65-F5344CB8AC3E}">
+        <p14:creationId xmlns:p14="http://schemas.microsoft.com/office/powerpoint/2010/main" val="1085981280"/>
+      </p:ext>
+    </p:extLst>
+  </p:cSld>
+  <p:clrMapOvr>
+    <a:masterClrMapping/>
+  </p:clrMapOvr>
+  <p:timing>
+    <p:tnLst>
+      <p:par>
+        <p:cTn id="1" dur="indefinite" restart="never" nodeType="tmRoot"/>
+      </p:par>
+    </p:tnLst>
+  </p:timing>
+</p:sld>
+</file>
+
 <file path=ppt/slides/slide5.xml><?xml version="1.0" encoding="utf-8"?>
 <p:sld xmlns:a="http://schemas.openxmlformats.org/drawingml/2006/main" xmlns:r="http://schemas.openxmlformats.org/officeDocument/2006/relationships" xmlns:p="http://schemas.openxmlformats.org/presentationml/2006/main">
   <p:cSld>
@@ -6385,11 +8170,7 @@
             <a:pPr algn="ctr"/>
             <a:r>
               <a:rPr lang="zh-TW" altLang="en-US" dirty="0" smtClean="0"/>
-              <a:t>使用四</a:t>
-            </a:r>
-            <a:r>
-              <a:rPr lang="zh-TW" altLang="en-US" dirty="0" smtClean="0"/>
-              <a:t>步驟</a:t>
+              <a:t>範例展示</a:t>
             </a:r>
             <a:endParaRPr lang="zh-TW" altLang="en-US" dirty="0"/>
           </a:p>
@@ -6404,7 +8185,7 @@
         <p:spPr>
           <a:xfrm>
             <a:off x="562788" y="2009401"/>
-            <a:ext cx="12032384" cy="5362302"/>
+            <a:ext cx="12032384" cy="1180644"/>
           </a:xfrm>
           <a:prstGeom prst="rect">
             <a:avLst/>
@@ -6416,97 +8197,33 @@
           </a:bodyPr>
           <a:lstStyle/>
           <a:p>
-            <a:pPr marL="742950" lvl="1" indent="-742950" defTabSz="1300460" eaLnBrk="0" fontAlgn="base" hangingPunct="0">
+            <a:pPr marL="487672" lvl="1" indent="-487672" defTabSz="1300460" eaLnBrk="0" fontAlgn="base" hangingPunct="0">
               <a:spcBef>
                 <a:spcPct val="20000"/>
               </a:spcBef>
               <a:spcAft>
                 <a:spcPct val="0"/>
               </a:spcAft>
-              <a:buFont typeface="+mj-lt"/>
-              <a:buAutoNum type="arabicPeriod"/>
+              <a:buFont typeface="微軟正黑體" pitchFamily="34" charset="-120"/>
+              <a:buChar char="»"/>
             </a:pPr>
             <a:r>
-              <a:rPr lang="zh-TW" altLang="en-US" sz="3982" b="1" dirty="0" smtClean="0">
-                <a:solidFill>
-                  <a:srgbClr val="000000"/>
-                </a:solidFill>
-                <a:latin typeface="Arial" charset="0"/>
-                <a:ea typeface="SimSun" pitchFamily="2" charset="-122"/>
-              </a:rPr>
-              <a:t>定義</a:t>
-            </a:r>
-            <a:r>
-              <a:rPr lang="zh-TW" altLang="en-US" sz="3982" b="1" dirty="0">
-                <a:solidFill>
-                  <a:srgbClr val="000000"/>
-                </a:solidFill>
-                <a:latin typeface="Arial" charset="0"/>
-                <a:ea typeface="SimSun" pitchFamily="2" charset="-122"/>
-              </a:rPr>
-              <a:t>您</a:t>
-            </a:r>
-            <a:r>
-              <a:rPr lang="zh-TW" altLang="en-US" sz="3982" b="1" dirty="0" smtClean="0">
-                <a:solidFill>
-                  <a:srgbClr val="000000"/>
-                </a:solidFill>
-                <a:latin typeface="Arial" charset="0"/>
-                <a:ea typeface="SimSun" pitchFamily="2" charset="-122"/>
-              </a:rPr>
-              <a:t>的</a:t>
-            </a:r>
-            <a:r>
-              <a:rPr lang="en-US" altLang="zh-TW" sz="3982" b="1" dirty="0" smtClean="0">
-                <a:solidFill>
-                  <a:srgbClr val="000000"/>
-                </a:solidFill>
-                <a:latin typeface="Arial" charset="0"/>
-                <a:ea typeface="SimSun" pitchFamily="2" charset="-122"/>
-              </a:rPr>
-              <a:t>app</a:t>
-            </a:r>
-            <a:r>
-              <a:rPr lang="zh-TW" altLang="en-US" sz="3982" b="1" dirty="0" smtClean="0">
-                <a:solidFill>
-                  <a:srgbClr val="000000"/>
-                </a:solidFill>
-                <a:latin typeface="Arial" charset="0"/>
-                <a:ea typeface="SimSun" pitchFamily="2" charset="-122"/>
-              </a:rPr>
-              <a:t>服務的環境，使用</a:t>
-            </a:r>
-            <a:r>
-              <a:rPr lang="en-US" altLang="zh-TW" sz="3982" b="1" dirty="0" err="1" smtClean="0">
-                <a:solidFill>
-                  <a:srgbClr val="000000"/>
-                </a:solidFill>
-                <a:latin typeface="Arial" charset="0"/>
-                <a:ea typeface="SimSun" pitchFamily="2" charset="-122"/>
-              </a:rPr>
-              <a:t>Dockerfile</a:t>
-            </a:r>
-            <a:r>
-              <a:rPr lang="zh-TW" altLang="en-US" sz="3982" b="1" dirty="0">
-                <a:solidFill>
-                  <a:srgbClr val="000000"/>
-                </a:solidFill>
-                <a:latin typeface="Arial" charset="0"/>
-                <a:ea typeface="SimSun" pitchFamily="2" charset="-122"/>
-              </a:rPr>
-              <a:t>以便</a:t>
-            </a:r>
-            <a:r>
-              <a:rPr lang="zh-TW" altLang="en-US" sz="3982" b="1" dirty="0" smtClean="0">
-                <a:solidFill>
-                  <a:srgbClr val="000000"/>
-                </a:solidFill>
-                <a:latin typeface="Arial" charset="0"/>
-                <a:ea typeface="SimSun" pitchFamily="2" charset="-122"/>
-              </a:rPr>
-              <a:t>可以建立。</a:t>
-            </a:r>
-            <a:endParaRPr lang="zh-TW" altLang="en-US" sz="3982" b="1" dirty="0">
+              <a:rPr lang="en-US" altLang="zh-TW" sz="4000" dirty="0"/>
+              <a:t>Using </a:t>
+            </a:r>
+            <a:r>
+              <a:rPr lang="en-US" altLang="zh-TW" sz="4000" dirty="0" err="1"/>
+              <a:t>OpenAPI</a:t>
+            </a:r>
+            <a:r>
+              <a:rPr lang="en-US" altLang="zh-TW" sz="4000" dirty="0"/>
+              <a:t> with .NET </a:t>
+            </a:r>
+            <a:r>
+              <a:rPr lang="en-US" altLang="zh-TW" sz="4000" dirty="0" smtClean="0"/>
+              <a:t>Core</a:t>
+            </a:r>
+            <a:endParaRPr lang="en-US" altLang="zh-TW" sz="3982" b="1" dirty="0">
               <a:solidFill>
                 <a:srgbClr val="000000"/>
               </a:solidFill>
@@ -6515,169 +8232,27 @@
             </a:endParaRPr>
           </a:p>
           <a:p>
-            <a:pPr marL="742950" lvl="1" indent="-742950" defTabSz="1300460" eaLnBrk="0" fontAlgn="base" hangingPunct="0">
+            <a:pPr marL="1137902" lvl="2" indent="-487672" defTabSz="1300460" eaLnBrk="0" fontAlgn="base" hangingPunct="0">
               <a:spcBef>
                 <a:spcPct val="20000"/>
               </a:spcBef>
               <a:spcAft>
                 <a:spcPct val="0"/>
               </a:spcAft>
-              <a:buFont typeface="+mj-lt"/>
-              <a:buAutoNum type="arabicPeriod"/>
+              <a:buFont typeface="微軟正黑體" pitchFamily="34" charset="-120"/>
+              <a:buChar char="»"/>
             </a:pPr>
             <a:r>
-              <a:rPr lang="zh-TW" altLang="en-US" sz="3982" b="1" dirty="0" smtClean="0">
+              <a:rPr lang="en-US" altLang="zh-TW" sz="2560" dirty="0">
                 <a:solidFill>
                   <a:srgbClr val="000000"/>
                 </a:solidFill>
                 <a:latin typeface="Arial" charset="0"/>
                 <a:ea typeface="SimSun" pitchFamily="2" charset="-122"/>
               </a:rPr>
-              <a:t>建立</a:t>
-            </a:r>
-            <a:r>
-              <a:rPr lang="en-US" altLang="zh-TW" sz="3982" b="1" dirty="0" err="1" smtClean="0">
-                <a:solidFill>
-                  <a:srgbClr val="000000"/>
-                </a:solidFill>
-                <a:latin typeface="Arial" charset="0"/>
-                <a:ea typeface="SimSun" pitchFamily="2" charset="-122"/>
-              </a:rPr>
-              <a:t>docker-compose.yml</a:t>
-            </a:r>
-            <a:r>
-              <a:rPr lang="zh-TW" altLang="en-US" sz="3982" b="1" dirty="0">
-                <a:solidFill>
-                  <a:srgbClr val="000000"/>
-                </a:solidFill>
-                <a:latin typeface="Arial" charset="0"/>
-                <a:ea typeface="SimSun" pitchFamily="2" charset="-122"/>
-              </a:rPr>
-              <a:t>定義</a:t>
-            </a:r>
-            <a:r>
-              <a:rPr lang="zh-TW" altLang="en-US" sz="3982" b="1" dirty="0" smtClean="0">
-                <a:solidFill>
-                  <a:srgbClr val="000000"/>
-                </a:solidFill>
-                <a:latin typeface="Arial" charset="0"/>
-                <a:ea typeface="SimSun" pitchFamily="2" charset="-122"/>
-              </a:rPr>
-              <a:t>組成</a:t>
-            </a:r>
-            <a:r>
-              <a:rPr lang="zh-TW" altLang="en-US" sz="3982" b="1" dirty="0">
-                <a:solidFill>
-                  <a:srgbClr val="000000"/>
-                </a:solidFill>
-                <a:latin typeface="Arial" charset="0"/>
-                <a:ea typeface="SimSun" pitchFamily="2" charset="-122"/>
-              </a:rPr>
-              <a:t>多個</a:t>
-            </a:r>
-            <a:r>
-              <a:rPr lang="en-US" altLang="zh-TW" sz="3982" b="1" dirty="0" smtClean="0">
-                <a:solidFill>
-                  <a:srgbClr val="000000"/>
-                </a:solidFill>
-                <a:latin typeface="Arial" charset="0"/>
-                <a:ea typeface="SimSun" pitchFamily="2" charset="-122"/>
-              </a:rPr>
-              <a:t>app</a:t>
-            </a:r>
-            <a:r>
-              <a:rPr lang="zh-TW" altLang="en-US" sz="3982" b="1" dirty="0" smtClean="0">
-                <a:solidFill>
-                  <a:srgbClr val="000000"/>
-                </a:solidFill>
-                <a:latin typeface="Arial" charset="0"/>
-                <a:ea typeface="SimSun" pitchFamily="2" charset="-122"/>
-              </a:rPr>
-              <a:t>服務以便</a:t>
-            </a:r>
-            <a:r>
-              <a:rPr lang="zh-TW" altLang="en-US" sz="3982" b="1" dirty="0">
-                <a:solidFill>
-                  <a:srgbClr val="000000"/>
-                </a:solidFill>
-                <a:latin typeface="Arial" charset="0"/>
-                <a:ea typeface="SimSun" pitchFamily="2" charset="-122"/>
-              </a:rPr>
-              <a:t>它們可以在隔離的環境中一起</a:t>
-            </a:r>
-            <a:r>
-              <a:rPr lang="zh-TW" altLang="en-US" sz="3982" b="1" dirty="0" smtClean="0">
-                <a:solidFill>
-                  <a:srgbClr val="000000"/>
-                </a:solidFill>
-                <a:latin typeface="Arial" charset="0"/>
-                <a:ea typeface="SimSun" pitchFamily="2" charset="-122"/>
-              </a:rPr>
-              <a:t>運行</a:t>
-            </a:r>
-          </a:p>
-          <a:p>
-            <a:pPr marL="742950" lvl="1" indent="-742950" defTabSz="1300460" eaLnBrk="0" fontAlgn="base" hangingPunct="0">
-              <a:spcBef>
-                <a:spcPct val="20000"/>
-              </a:spcBef>
-              <a:spcAft>
-                <a:spcPct val="0"/>
-              </a:spcAft>
-              <a:buFont typeface="+mj-lt"/>
-              <a:buAutoNum type="arabicPeriod"/>
-            </a:pPr>
-            <a:r>
-              <a:rPr lang="en-US" altLang="zh-TW" sz="3982" b="1" dirty="0" err="1" smtClean="0">
-                <a:solidFill>
-                  <a:srgbClr val="000000"/>
-                </a:solidFill>
-                <a:latin typeface="Arial" charset="0"/>
-                <a:ea typeface="SimSun" pitchFamily="2" charset="-122"/>
-              </a:rPr>
-              <a:t>docker</a:t>
-            </a:r>
-            <a:r>
-              <a:rPr lang="en-US" altLang="zh-TW" sz="3982" b="1" dirty="0" smtClean="0">
-                <a:solidFill>
-                  <a:srgbClr val="000000"/>
-                </a:solidFill>
-                <a:latin typeface="Arial" charset="0"/>
-                <a:ea typeface="SimSun" pitchFamily="2" charset="-122"/>
-              </a:rPr>
-              <a:t>-compose build</a:t>
-            </a:r>
-            <a:r>
-              <a:rPr lang="zh-TW" altLang="en-US" sz="3982" b="1" dirty="0" smtClean="0">
-                <a:solidFill>
-                  <a:srgbClr val="000000"/>
-                </a:solidFill>
-                <a:latin typeface="Arial" charset="0"/>
-                <a:ea typeface="SimSun" pitchFamily="2" charset="-122"/>
-              </a:rPr>
-              <a:t>建立所有的</a:t>
-            </a:r>
-            <a:r>
-              <a:rPr lang="en-US" altLang="zh-TW" sz="3982" b="1" dirty="0" smtClean="0">
-                <a:solidFill>
-                  <a:srgbClr val="000000"/>
-                </a:solidFill>
-                <a:latin typeface="Arial" charset="0"/>
-                <a:ea typeface="SimSun" pitchFamily="2" charset="-122"/>
-              </a:rPr>
-              <a:t>app</a:t>
-            </a:r>
-            <a:r>
-              <a:rPr lang="zh-TW" altLang="en-US" sz="3982" b="1" dirty="0" smtClean="0">
-                <a:solidFill>
-                  <a:srgbClr val="000000"/>
-                </a:solidFill>
-                <a:latin typeface="Arial" charset="0"/>
-                <a:ea typeface="SimSun" pitchFamily="2" charset="-122"/>
-              </a:rPr>
-              <a:t>服務之映像檔</a:t>
-            </a:r>
-            <a:endParaRPr lang="en-US" altLang="zh-TW" sz="3982" b="1" dirty="0" smtClean="0">
+              <a:t>https://github.com/shwang1a/OpenAPI</a:t>
+            </a:r>
+            <a:endParaRPr lang="en-US" altLang="zh-TW" sz="2560" dirty="0">
               <a:solidFill>
                 <a:srgbClr val="000000"/>
               </a:solidFill>
@@ -6685,70 +8260,11 @@
               <a:ea typeface="SimSun" pitchFamily="2" charset="-122"/>
             </a:endParaRPr>
           </a:p>
-          <a:p>
-            <a:pPr marL="742950" lvl="1" indent="-742950" defTabSz="1300460" eaLnBrk="0" fontAlgn="base" hangingPunct="0">
-              <a:spcBef>
-                <a:spcPct val="20000"/>
-              </a:spcBef>
-              <a:spcAft>
-                <a:spcPct val="0"/>
-              </a:spcAft>
-              <a:buFont typeface="+mj-lt"/>
-              <a:buAutoNum type="arabicPeriod"/>
-            </a:pPr>
-            <a:r>
-              <a:rPr lang="en-US" altLang="zh-TW" sz="3982" b="1" dirty="0" err="1">
-                <a:solidFill>
-                  <a:srgbClr val="000000"/>
-                </a:solidFill>
-                <a:latin typeface="Arial" charset="0"/>
-                <a:ea typeface="SimSun" pitchFamily="2" charset="-122"/>
-              </a:rPr>
-              <a:t>docker</a:t>
-            </a:r>
-            <a:r>
-              <a:rPr lang="en-US" altLang="zh-TW" sz="3982" b="1" dirty="0">
-                <a:solidFill>
-                  <a:srgbClr val="000000"/>
-                </a:solidFill>
-                <a:latin typeface="Arial" charset="0"/>
-                <a:ea typeface="SimSun" pitchFamily="2" charset="-122"/>
-              </a:rPr>
-              <a:t>-compose </a:t>
-            </a:r>
-            <a:r>
-              <a:rPr lang="en-US" altLang="zh-TW" sz="3982" b="1" dirty="0" smtClean="0">
-                <a:solidFill>
-                  <a:srgbClr val="000000"/>
-                </a:solidFill>
-                <a:latin typeface="Arial" charset="0"/>
-                <a:ea typeface="SimSun" pitchFamily="2" charset="-122"/>
-              </a:rPr>
-              <a:t>up</a:t>
-            </a:r>
-            <a:r>
-              <a:rPr lang="zh-TW" altLang="en-US" sz="3982" b="1" dirty="0" smtClean="0">
-                <a:solidFill>
-                  <a:srgbClr val="000000"/>
-                </a:solidFill>
-                <a:latin typeface="Arial" charset="0"/>
-                <a:ea typeface="SimSun" pitchFamily="2" charset="-122"/>
-              </a:rPr>
-              <a:t> 啟動並運行您的整個應用程序。</a:t>
-            </a:r>
-            <a:endParaRPr lang="zh-TW" altLang="zh-TW" sz="3982" b="1" dirty="0">
-              <a:solidFill>
-                <a:srgbClr val="000000"/>
-              </a:solidFill>
-              <a:latin typeface="Arial" charset="0"/>
-              <a:ea typeface="SimSun" pitchFamily="2" charset="-122"/>
-            </a:endParaRPr>
-          </a:p>
         </p:txBody>
       </p:sp>
       <p:pic>
         <p:nvPicPr>
-          <p:cNvPr id="5" name="圖片 4"/>
+          <p:cNvPr id="4" name="圖片 3"/>
           <p:cNvPicPr>
             <a:picLocks noChangeAspect="1"/>
           </p:cNvPicPr>
@@ -6762,8 +8278,8 @@
         </p:blipFill>
         <p:spPr>
           <a:xfrm>
-            <a:off x="3506481" y="2057400"/>
-            <a:ext cx="6386513" cy="6587663"/>
+            <a:off x="3606800" y="3429000"/>
+            <a:ext cx="5791200" cy="5973600"/>
           </a:xfrm>
           <a:prstGeom prst="rect">
             <a:avLst/>
@@ -6773,7 +8289,7 @@
     </p:spTree>
     <p:extLst>
       <p:ext uri="{BB962C8B-B14F-4D97-AF65-F5344CB8AC3E}">
-        <p14:creationId xmlns:p14="http://schemas.microsoft.com/office/powerpoint/2010/main" val="1085981280"/>
+        <p14:creationId xmlns:p14="http://schemas.microsoft.com/office/powerpoint/2010/main" val="2694110197"/>
       </p:ext>
     </p:extLst>
   </p:cSld>
@@ -6801,73 +8317,20 @@
                             </p:stCondLst>
                             <p:childTnLst>
                               <p:par>
-                                <p:cTn id="5" presetID="10" presetClass="exit" presetSubtype="0" fill="hold" grpId="0" nodeType="clickEffect">
-                                  <p:stCondLst>
-                                    <p:cond delay="0"/>
-                                  </p:stCondLst>
-                                  <p:childTnLst>
-                                    <p:animEffect transition="out" filter="fade">
-                                      <p:cBhvr>
-                                        <p:cTn id="6" dur="500"/>
-                                        <p:tgtEl>
-                                          <p:spTgt spid="3"/>
-                                        </p:tgtEl>
-                                      </p:cBhvr>
-                                    </p:animEffect>
-                                    <p:set>
-                                      <p:cBhvr>
-                                        <p:cTn id="7" dur="1" fill="hold">
-                                          <p:stCondLst>
-                                            <p:cond delay="499"/>
-                                          </p:stCondLst>
-                                        </p:cTn>
-                                        <p:tgtEl>
-                                          <p:spTgt spid="3"/>
-                                        </p:tgtEl>
-                                        <p:attrNameLst>
-                                          <p:attrName>style.visibility</p:attrName>
-                                        </p:attrNameLst>
-                                      </p:cBhvr>
-                                      <p:to>
-                                        <p:strVal val="hidden"/>
-                                      </p:to>
-                                    </p:set>
-                                  </p:childTnLst>
-                                </p:cTn>
-                              </p:par>
-                            </p:childTnLst>
-                          </p:cTn>
-                        </p:par>
-                      </p:childTnLst>
-                    </p:cTn>
-                  </p:par>
-                  <p:par>
-                    <p:cTn id="8" fill="hold">
-                      <p:stCondLst>
-                        <p:cond delay="indefinite"/>
-                      </p:stCondLst>
-                      <p:childTnLst>
-                        <p:par>
-                          <p:cTn id="9" fill="hold">
-                            <p:stCondLst>
-                              <p:cond delay="0"/>
-                            </p:stCondLst>
-                            <p:childTnLst>
-                              <p:par>
-                                <p:cTn id="10" presetID="1" presetClass="entr" presetSubtype="0" fill="hold" nodeType="clickEffect">
+                                <p:cTn id="5" presetID="1" presetClass="entr" presetSubtype="0" fill="hold" nodeType="clickEffect">
                                   <p:stCondLst>
                                     <p:cond delay="0"/>
                                   </p:stCondLst>
                                   <p:childTnLst>
                                     <p:set>
                                       <p:cBhvr>
-                                        <p:cTn id="11" dur="1" fill="hold">
+                                        <p:cTn id="6" dur="1" fill="hold">
                                           <p:stCondLst>
                                             <p:cond delay="0"/>
                                           </p:stCondLst>
                                         </p:cTn>
                                         <p:tgtEl>
-                                          <p:spTgt spid="5"/>
+                                          <p:spTgt spid="4"/>
                                         </p:tgtEl>
                                         <p:attrNameLst>
                                           <p:attrName>style.visibility</p:attrName>
@@ -6907,9 +8370,6 @@
         </p:cTn>
       </p:par>
     </p:tnLst>
-    <p:bldLst>
-      <p:bldP spid="3" grpId="0"/>
-    </p:bldLst>
   </p:timing>
 </p:sld>
 </file>
@@ -7135,7 +8595,7 @@
     </p:spTree>
     <p:extLst>
       <p:ext uri="{BB962C8B-B14F-4D97-AF65-F5344CB8AC3E}">
-        <p14:creationId xmlns:p14="http://schemas.microsoft.com/office/powerpoint/2010/main" val="4222732719"/>
+        <p14:creationId xmlns:p14="http://schemas.microsoft.com/office/powerpoint/2010/main" val="1724960749"/>
       </p:ext>
     </p:extLst>
   </p:cSld>
@@ -7268,6 +8728,678 @@
         </p:spPr>
       </p:pic>
     </p:spTree>
+  </p:cSld>
+  <p:clrMapOvr>
+    <a:masterClrMapping/>
+  </p:clrMapOvr>
+  <p:timing>
+    <p:tnLst>
+      <p:par>
+        <p:cTn id="1" dur="indefinite" restart="never" nodeType="tmRoot"/>
+      </p:par>
+    </p:tnLst>
+  </p:timing>
+</p:sld>
+</file>
+
+<file path=ppt/slides/slide8.xml><?xml version="1.0" encoding="utf-8"?>
+<p:sld xmlns:a="http://schemas.openxmlformats.org/drawingml/2006/main" xmlns:r="http://schemas.openxmlformats.org/officeDocument/2006/relationships" xmlns:p="http://schemas.openxmlformats.org/presentationml/2006/main">
+  <p:cSld>
+    <p:spTree>
+      <p:nvGrpSpPr>
+        <p:cNvPr id="1" name=""/>
+        <p:cNvGrpSpPr/>
+        <p:nvPr/>
+      </p:nvGrpSpPr>
+      <p:grpSpPr>
+        <a:xfrm>
+          <a:off x="0" y="0"/>
+          <a:ext cx="0" cy="0"/>
+          <a:chOff x="0" y="0"/>
+          <a:chExt cx="0" cy="0"/>
+        </a:xfrm>
+      </p:grpSpPr>
+      <p:sp>
+        <p:nvSpPr>
+          <p:cNvPr id="4" name="object 5"/>
+          <p:cNvSpPr txBox="1">
+            <a:spLocks/>
+          </p:cNvSpPr>
+          <p:nvPr/>
+        </p:nvSpPr>
+        <p:spPr>
+          <a:xfrm>
+            <a:off x="863600" y="903391"/>
+            <a:ext cx="11506199" cy="936154"/>
+          </a:xfrm>
+          <a:prstGeom prst="rect">
+            <a:avLst/>
+          </a:prstGeom>
+        </p:spPr>
+        <p:txBody>
+          <a:bodyPr vert="horz" wrap="square" lIns="0" tIns="12700" rIns="0" bIns="0" rtlCol="0">
+            <a:spAutoFit/>
+          </a:bodyPr>
+          <a:lstStyle>
+            <a:lvl1pPr>
+              <a:defRPr sz="2600" b="1" i="0">
+                <a:solidFill>
+                  <a:srgbClr val="0365C0"/>
+                </a:solidFill>
+                <a:latin typeface="Arial"/>
+                <a:ea typeface="+mj-ea"/>
+                <a:cs typeface="Arial"/>
+              </a:defRPr>
+            </a:lvl1pPr>
+          </a:lstStyle>
+          <a:p>
+            <a:pPr marL="38100" algn="ctr">
+              <a:spcBef>
+                <a:spcPts val="100"/>
+              </a:spcBef>
+            </a:pPr>
+            <a:r>
+              <a:rPr lang="en-US" altLang="zh-TW" sz="6000" kern="0" dirty="0" err="1" smtClean="0">
+                <a:latin typeface="Microsoft JhengHei"/>
+                <a:cs typeface="Microsoft JhengHei"/>
+              </a:rPr>
+              <a:t>Github</a:t>
+            </a:r>
+            <a:r>
+              <a:rPr lang="zh-TW" altLang="en-US" sz="6000" kern="0" dirty="0">
+                <a:latin typeface="Microsoft JhengHei"/>
+                <a:cs typeface="Microsoft JhengHei"/>
+              </a:rPr>
+              <a:t>上</a:t>
+            </a:r>
+            <a:r>
+              <a:rPr lang="zh-TW" altLang="en-US" sz="6000" kern="0" dirty="0" smtClean="0">
+                <a:latin typeface="Microsoft JhengHei"/>
+                <a:cs typeface="Microsoft JhengHei"/>
+              </a:rPr>
+              <a:t>建立</a:t>
+            </a:r>
+            <a:r>
+              <a:rPr lang="en-US" altLang="zh-TW" sz="6000" kern="0" dirty="0" err="1" smtClean="0">
+                <a:latin typeface="Microsoft JhengHei"/>
+                <a:cs typeface="Microsoft JhengHei"/>
+              </a:rPr>
+              <a:t>Respository</a:t>
+            </a:r>
+            <a:endParaRPr lang="zh-TW" altLang="en-US" sz="6000" kern="0" dirty="0">
+              <a:latin typeface="Microsoft JhengHei"/>
+              <a:cs typeface="Microsoft JhengHei"/>
+            </a:endParaRPr>
+          </a:p>
+        </p:txBody>
+      </p:sp>
+      <p:pic>
+        <p:nvPicPr>
+          <p:cNvPr id="3" name="圖片 2"/>
+          <p:cNvPicPr>
+            <a:picLocks noChangeAspect="1"/>
+          </p:cNvPicPr>
+          <p:nvPr/>
+        </p:nvPicPr>
+        <p:blipFill>
+          <a:blip r:embed="rId3"/>
+          <a:stretch>
+            <a:fillRect/>
+          </a:stretch>
+        </p:blipFill>
+        <p:spPr>
+          <a:xfrm>
+            <a:off x="2921000" y="2057400"/>
+            <a:ext cx="7343775" cy="7086600"/>
+          </a:xfrm>
+          <a:prstGeom prst="rect">
+            <a:avLst/>
+          </a:prstGeom>
+        </p:spPr>
+      </p:pic>
+      <p:pic>
+        <p:nvPicPr>
+          <p:cNvPr id="5" name="圖片 4"/>
+          <p:cNvPicPr>
+            <a:picLocks noChangeAspect="1"/>
+          </p:cNvPicPr>
+          <p:nvPr/>
+        </p:nvPicPr>
+        <p:blipFill>
+          <a:blip r:embed="rId4"/>
+          <a:stretch>
+            <a:fillRect/>
+          </a:stretch>
+        </p:blipFill>
+        <p:spPr>
+          <a:xfrm>
+            <a:off x="2111374" y="2287361"/>
+            <a:ext cx="9620250" cy="6867525"/>
+          </a:xfrm>
+          <a:prstGeom prst="rect">
+            <a:avLst/>
+          </a:prstGeom>
+        </p:spPr>
+      </p:pic>
+      <p:pic>
+        <p:nvPicPr>
+          <p:cNvPr id="6" name="圖片 5"/>
+          <p:cNvPicPr>
+            <a:picLocks noChangeAspect="1"/>
+          </p:cNvPicPr>
+          <p:nvPr/>
+        </p:nvPicPr>
+        <p:blipFill>
+          <a:blip r:embed="rId5"/>
+          <a:stretch>
+            <a:fillRect/>
+          </a:stretch>
+        </p:blipFill>
+        <p:spPr>
+          <a:xfrm>
+            <a:off x="2111374" y="2620735"/>
+            <a:ext cx="9610725" cy="6200775"/>
+          </a:xfrm>
+          <a:prstGeom prst="rect">
+            <a:avLst/>
+          </a:prstGeom>
+        </p:spPr>
+      </p:pic>
+    </p:spTree>
+    <p:extLst>
+      <p:ext uri="{BB962C8B-B14F-4D97-AF65-F5344CB8AC3E}">
+        <p14:creationId xmlns:p14="http://schemas.microsoft.com/office/powerpoint/2010/main" val="1323830388"/>
+      </p:ext>
+    </p:extLst>
+  </p:cSld>
+  <p:clrMapOvr>
+    <a:masterClrMapping/>
+  </p:clrMapOvr>
+  <p:timing>
+    <p:tnLst>
+      <p:par>
+        <p:cTn id="1" dur="indefinite" restart="never" nodeType="tmRoot">
+          <p:childTnLst>
+            <p:seq concurrent="1" nextAc="seek">
+              <p:cTn id="2" dur="indefinite" nodeType="mainSeq">
+                <p:childTnLst>
+                  <p:par>
+                    <p:cTn id="3" fill="hold">
+                      <p:stCondLst>
+                        <p:cond delay="indefinite"/>
+                      </p:stCondLst>
+                      <p:childTnLst>
+                        <p:par>
+                          <p:cTn id="4" fill="hold">
+                            <p:stCondLst>
+                              <p:cond delay="0"/>
+                            </p:stCondLst>
+                            <p:childTnLst>
+                              <p:par>
+                                <p:cTn id="5" presetID="1" presetClass="entr" presetSubtype="0" fill="hold" nodeType="clickEffect">
+                                  <p:stCondLst>
+                                    <p:cond delay="0"/>
+                                  </p:stCondLst>
+                                  <p:childTnLst>
+                                    <p:set>
+                                      <p:cBhvr>
+                                        <p:cTn id="6" dur="1" fill="hold">
+                                          <p:stCondLst>
+                                            <p:cond delay="0"/>
+                                          </p:stCondLst>
+                                        </p:cTn>
+                                        <p:tgtEl>
+                                          <p:spTgt spid="3"/>
+                                        </p:tgtEl>
+                                        <p:attrNameLst>
+                                          <p:attrName>style.visibility</p:attrName>
+                                        </p:attrNameLst>
+                                      </p:cBhvr>
+                                      <p:to>
+                                        <p:strVal val="visible"/>
+                                      </p:to>
+                                    </p:set>
+                                  </p:childTnLst>
+                                </p:cTn>
+                              </p:par>
+                            </p:childTnLst>
+                          </p:cTn>
+                        </p:par>
+                      </p:childTnLst>
+                    </p:cTn>
+                  </p:par>
+                  <p:par>
+                    <p:cTn id="7" fill="hold">
+                      <p:stCondLst>
+                        <p:cond delay="indefinite"/>
+                      </p:stCondLst>
+                      <p:childTnLst>
+                        <p:par>
+                          <p:cTn id="8" fill="hold">
+                            <p:stCondLst>
+                              <p:cond delay="0"/>
+                            </p:stCondLst>
+                            <p:childTnLst>
+                              <p:par>
+                                <p:cTn id="9" presetID="1" presetClass="entr" presetSubtype="0" fill="hold" nodeType="clickEffect">
+                                  <p:stCondLst>
+                                    <p:cond delay="0"/>
+                                  </p:stCondLst>
+                                  <p:childTnLst>
+                                    <p:set>
+                                      <p:cBhvr>
+                                        <p:cTn id="10" dur="1" fill="hold">
+                                          <p:stCondLst>
+                                            <p:cond delay="0"/>
+                                          </p:stCondLst>
+                                        </p:cTn>
+                                        <p:tgtEl>
+                                          <p:spTgt spid="5"/>
+                                        </p:tgtEl>
+                                        <p:attrNameLst>
+                                          <p:attrName>style.visibility</p:attrName>
+                                        </p:attrNameLst>
+                                      </p:cBhvr>
+                                      <p:to>
+                                        <p:strVal val="visible"/>
+                                      </p:to>
+                                    </p:set>
+                                  </p:childTnLst>
+                                </p:cTn>
+                              </p:par>
+                            </p:childTnLst>
+                          </p:cTn>
+                        </p:par>
+                      </p:childTnLst>
+                    </p:cTn>
+                  </p:par>
+                  <p:par>
+                    <p:cTn id="11" fill="hold">
+                      <p:stCondLst>
+                        <p:cond delay="indefinite"/>
+                      </p:stCondLst>
+                      <p:childTnLst>
+                        <p:par>
+                          <p:cTn id="12" fill="hold">
+                            <p:stCondLst>
+                              <p:cond delay="0"/>
+                            </p:stCondLst>
+                            <p:childTnLst>
+                              <p:par>
+                                <p:cTn id="13" presetID="1" presetClass="entr" presetSubtype="0" fill="hold" nodeType="clickEffect">
+                                  <p:stCondLst>
+                                    <p:cond delay="0"/>
+                                  </p:stCondLst>
+                                  <p:childTnLst>
+                                    <p:set>
+                                      <p:cBhvr>
+                                        <p:cTn id="14" dur="1" fill="hold">
+                                          <p:stCondLst>
+                                            <p:cond delay="0"/>
+                                          </p:stCondLst>
+                                        </p:cTn>
+                                        <p:tgtEl>
+                                          <p:spTgt spid="6"/>
+                                        </p:tgtEl>
+                                        <p:attrNameLst>
+                                          <p:attrName>style.visibility</p:attrName>
+                                        </p:attrNameLst>
+                                      </p:cBhvr>
+                                      <p:to>
+                                        <p:strVal val="visible"/>
+                                      </p:to>
+                                    </p:set>
+                                  </p:childTnLst>
+                                </p:cTn>
+                              </p:par>
+                            </p:childTnLst>
+                          </p:cTn>
+                        </p:par>
+                      </p:childTnLst>
+                    </p:cTn>
+                  </p:par>
+                </p:childTnLst>
+              </p:cTn>
+              <p:prevCondLst>
+                <p:cond evt="onPrev" delay="0">
+                  <p:tgtEl>
+                    <p:sldTgt/>
+                  </p:tgtEl>
+                </p:cond>
+              </p:prevCondLst>
+              <p:nextCondLst>
+                <p:cond evt="onNext" delay="0">
+                  <p:tgtEl>
+                    <p:sldTgt/>
+                  </p:tgtEl>
+                </p:cond>
+              </p:nextCondLst>
+            </p:seq>
+          </p:childTnLst>
+        </p:cTn>
+      </p:par>
+    </p:tnLst>
+  </p:timing>
+</p:sld>
+</file>
+
+<file path=ppt/slides/slide9.xml><?xml version="1.0" encoding="utf-8"?>
+<p:sld xmlns:a="http://schemas.openxmlformats.org/drawingml/2006/main" xmlns:r="http://schemas.openxmlformats.org/officeDocument/2006/relationships" xmlns:p="http://schemas.openxmlformats.org/presentationml/2006/main">
+  <p:cSld>
+    <p:spTree>
+      <p:nvGrpSpPr>
+        <p:cNvPr id="1" name=""/>
+        <p:cNvGrpSpPr/>
+        <p:nvPr/>
+      </p:nvGrpSpPr>
+      <p:grpSpPr>
+        <a:xfrm>
+          <a:off x="0" y="0"/>
+          <a:ext cx="0" cy="0"/>
+          <a:chOff x="0" y="0"/>
+          <a:chExt cx="0" cy="0"/>
+        </a:xfrm>
+      </p:grpSpPr>
+      <p:sp>
+        <p:nvSpPr>
+          <p:cNvPr id="4" name="object 5"/>
+          <p:cNvSpPr txBox="1">
+            <a:spLocks/>
+          </p:cNvSpPr>
+          <p:nvPr/>
+        </p:nvSpPr>
+        <p:spPr>
+          <a:xfrm>
+            <a:off x="787400" y="903391"/>
+            <a:ext cx="11506199" cy="936154"/>
+          </a:xfrm>
+          <a:prstGeom prst="rect">
+            <a:avLst/>
+          </a:prstGeom>
+        </p:spPr>
+        <p:txBody>
+          <a:bodyPr vert="horz" wrap="square" lIns="0" tIns="12700" rIns="0" bIns="0" rtlCol="0">
+            <a:spAutoFit/>
+          </a:bodyPr>
+          <a:lstStyle>
+            <a:lvl1pPr>
+              <a:defRPr sz="2600" b="1" i="0">
+                <a:solidFill>
+                  <a:srgbClr val="0365C0"/>
+                </a:solidFill>
+                <a:latin typeface="Arial"/>
+                <a:ea typeface="+mj-ea"/>
+                <a:cs typeface="Arial"/>
+              </a:defRPr>
+            </a:lvl1pPr>
+          </a:lstStyle>
+          <a:p>
+            <a:pPr marL="38100" algn="ctr">
+              <a:spcBef>
+                <a:spcPts val="100"/>
+              </a:spcBef>
+            </a:pPr>
+            <a:r>
+              <a:rPr lang="en-US" altLang="zh-TW" sz="6000" kern="0" dirty="0" err="1" smtClean="0">
+                <a:latin typeface="Microsoft JhengHei"/>
+                <a:cs typeface="Microsoft JhengHei"/>
+              </a:rPr>
+              <a:t>VS.Code</a:t>
+            </a:r>
+            <a:r>
+              <a:rPr lang="zh-TW" altLang="en-US" sz="6000" kern="0" dirty="0" smtClean="0">
+                <a:latin typeface="Microsoft JhengHei"/>
+                <a:cs typeface="Microsoft JhengHei"/>
+              </a:rPr>
+              <a:t>整合</a:t>
+            </a:r>
+            <a:r>
+              <a:rPr lang="en-US" altLang="zh-TW" sz="6000" kern="0" dirty="0" err="1" smtClean="0">
+                <a:latin typeface="Microsoft JhengHei"/>
+                <a:cs typeface="Microsoft JhengHei"/>
+              </a:rPr>
+              <a:t>Github</a:t>
+            </a:r>
+            <a:endParaRPr lang="zh-TW" altLang="en-US" sz="6000" kern="0" dirty="0">
+              <a:latin typeface="Microsoft JhengHei"/>
+              <a:cs typeface="Microsoft JhengHei"/>
+            </a:endParaRPr>
+          </a:p>
+        </p:txBody>
+      </p:sp>
+      <p:sp>
+        <p:nvSpPr>
+          <p:cNvPr id="7" name="矩形 6"/>
+          <p:cNvSpPr/>
+          <p:nvPr/>
+        </p:nvSpPr>
+        <p:spPr>
+          <a:xfrm>
+            <a:off x="562788" y="2009401"/>
+            <a:ext cx="12032384" cy="4391395"/>
+          </a:xfrm>
+          <a:prstGeom prst="rect">
+            <a:avLst/>
+          </a:prstGeom>
+        </p:spPr>
+        <p:txBody>
+          <a:bodyPr wrap="square">
+            <a:spAutoFit/>
+          </a:bodyPr>
+          <a:lstStyle/>
+          <a:p>
+            <a:pPr marL="487672" lvl="1" indent="-487672" defTabSz="1300460" eaLnBrk="0" fontAlgn="base" hangingPunct="0">
+              <a:spcBef>
+                <a:spcPct val="20000"/>
+              </a:spcBef>
+              <a:spcAft>
+                <a:spcPct val="0"/>
+              </a:spcAft>
+              <a:buFont typeface="微軟正黑體" pitchFamily="34" charset="-120"/>
+              <a:buChar char="»"/>
+            </a:pPr>
+            <a:r>
+              <a:rPr lang="en-US" altLang="zh-TW" sz="4000" dirty="0" smtClean="0"/>
+              <a:t>Install </a:t>
+            </a:r>
+            <a:r>
+              <a:rPr lang="en-US" altLang="zh-TW" sz="4000" dirty="0" err="1" smtClean="0"/>
+              <a:t>Git</a:t>
+            </a:r>
+            <a:r>
+              <a:rPr lang="en-US" altLang="zh-TW" sz="4000" dirty="0" smtClean="0"/>
+              <a:t> </a:t>
+            </a:r>
+            <a:r>
+              <a:rPr lang="en-US" altLang="zh-TW" sz="4000" dirty="0"/>
+              <a:t>extension</a:t>
+            </a:r>
+            <a:endParaRPr lang="en-US" altLang="zh-TW" sz="4000" dirty="0"/>
+          </a:p>
+          <a:p>
+            <a:pPr marL="1137902" lvl="2" indent="-487672" defTabSz="1300460" eaLnBrk="0" fontAlgn="base" hangingPunct="0">
+              <a:spcBef>
+                <a:spcPct val="20000"/>
+              </a:spcBef>
+              <a:spcAft>
+                <a:spcPct val="0"/>
+              </a:spcAft>
+              <a:buFont typeface="微軟正黑體" pitchFamily="34" charset="-120"/>
+              <a:buChar char="»"/>
+            </a:pPr>
+            <a:r>
+              <a:rPr lang="en-US" altLang="zh-TW" sz="2560" dirty="0" smtClean="0">
+                <a:solidFill>
+                  <a:srgbClr val="000000"/>
+                </a:solidFill>
+                <a:latin typeface="Arial" charset="0"/>
+                <a:ea typeface="SimSun" pitchFamily="2" charset="-122"/>
+                <a:hlinkClick r:id="rId3"/>
+              </a:rPr>
+              <a:t>https</a:t>
+            </a:r>
+            <a:r>
+              <a:rPr lang="en-US" altLang="zh-TW" sz="2560" dirty="0">
+                <a:solidFill>
+                  <a:srgbClr val="000000"/>
+                </a:solidFill>
+                <a:latin typeface="Arial" charset="0"/>
+                <a:ea typeface="SimSun" pitchFamily="2" charset="-122"/>
+                <a:hlinkClick r:id="rId3"/>
+              </a:rPr>
+              <a:t>://</a:t>
+            </a:r>
+            <a:r>
+              <a:rPr lang="en-US" altLang="zh-TW" sz="2560" dirty="0" smtClean="0">
+                <a:solidFill>
+                  <a:srgbClr val="000000"/>
+                </a:solidFill>
+                <a:latin typeface="Arial" charset="0"/>
+                <a:ea typeface="SimSun" pitchFamily="2" charset="-122"/>
+                <a:hlinkClick r:id="rId3"/>
+              </a:rPr>
+              <a:t>marketplace.visualstudio.com/items?itemName=forevolve.git-extensions-for-vs-code</a:t>
+            </a:r>
+            <a:endParaRPr lang="en-US" altLang="zh-TW" sz="2560" dirty="0" smtClean="0">
+              <a:solidFill>
+                <a:srgbClr val="000000"/>
+              </a:solidFill>
+              <a:latin typeface="Arial" charset="0"/>
+              <a:ea typeface="SimSun" pitchFamily="2" charset="-122"/>
+            </a:endParaRPr>
+          </a:p>
+          <a:p>
+            <a:pPr marL="487672" lvl="1" indent="-487672" defTabSz="1300460" eaLnBrk="0" fontAlgn="base" hangingPunct="0">
+              <a:spcBef>
+                <a:spcPct val="20000"/>
+              </a:spcBef>
+              <a:spcAft>
+                <a:spcPct val="0"/>
+              </a:spcAft>
+              <a:buFont typeface="微軟正黑體" pitchFamily="34" charset="-120"/>
+              <a:buChar char="»"/>
+            </a:pPr>
+            <a:r>
+              <a:rPr lang="en-US" altLang="zh-TW" sz="4000" dirty="0"/>
+              <a:t>Install </a:t>
+            </a:r>
+            <a:r>
+              <a:rPr lang="en-US" altLang="zh-TW" sz="4000" dirty="0" err="1" smtClean="0"/>
+              <a:t>Git</a:t>
+            </a:r>
+            <a:r>
+              <a:rPr lang="en-US" altLang="zh-TW" sz="4000" dirty="0" smtClean="0"/>
+              <a:t> Exclude</a:t>
+            </a:r>
+            <a:endParaRPr lang="en-US" altLang="zh-TW" sz="4000" dirty="0"/>
+          </a:p>
+          <a:p>
+            <a:pPr marL="1137902" lvl="2" indent="-487672" defTabSz="1300460" eaLnBrk="0" fontAlgn="base" hangingPunct="0">
+              <a:spcBef>
+                <a:spcPct val="20000"/>
+              </a:spcBef>
+              <a:spcAft>
+                <a:spcPct val="0"/>
+              </a:spcAft>
+              <a:buFont typeface="微軟正黑體" pitchFamily="34" charset="-120"/>
+              <a:buChar char="»"/>
+            </a:pPr>
+            <a:r>
+              <a:rPr lang="en-US" altLang="zh-TW" sz="2560" dirty="0">
+                <a:solidFill>
+                  <a:srgbClr val="000000"/>
+                </a:solidFill>
+                <a:latin typeface="Arial" charset="0"/>
+                <a:ea typeface="SimSun" pitchFamily="2" charset="-122"/>
+              </a:rPr>
+              <a:t>https</a:t>
+            </a:r>
+            <a:r>
+              <a:rPr lang="en-US" altLang="zh-TW" sz="2560" dirty="0">
+                <a:solidFill>
+                  <a:srgbClr val="000000"/>
+                </a:solidFill>
+                <a:latin typeface="Arial" charset="0"/>
+                <a:ea typeface="SimSun" pitchFamily="2" charset="-122"/>
+              </a:rPr>
+              <a:t>://marketplace.visualstudio.com/items?itemName=boukichi.git-exclude</a:t>
+            </a:r>
+          </a:p>
+          <a:p>
+            <a:pPr marL="487672" lvl="1" indent="-487672" defTabSz="1300460" eaLnBrk="0" fontAlgn="base" hangingPunct="0">
+              <a:spcBef>
+                <a:spcPct val="20000"/>
+              </a:spcBef>
+              <a:spcAft>
+                <a:spcPct val="0"/>
+              </a:spcAft>
+              <a:buFont typeface="微軟正黑體" pitchFamily="34" charset="-120"/>
+              <a:buChar char="»"/>
+            </a:pPr>
+            <a:r>
+              <a:rPr lang="en-US" altLang="zh-TW" sz="4000" dirty="0"/>
+              <a:t> </a:t>
+            </a:r>
+            <a:r>
+              <a:rPr lang="en-US" altLang="zh-TW" sz="4000" dirty="0"/>
+              <a:t>Start a new </a:t>
+            </a:r>
+            <a:r>
+              <a:rPr lang="en-US" altLang="zh-TW" sz="4000" dirty="0" err="1"/>
+              <a:t>git</a:t>
+            </a:r>
+            <a:r>
+              <a:rPr lang="en-US" altLang="zh-TW" sz="4000" dirty="0"/>
+              <a:t> repository</a:t>
+            </a:r>
+          </a:p>
+          <a:p>
+            <a:pPr marL="1137902" lvl="2" indent="-487672" defTabSz="1300460" eaLnBrk="0" fontAlgn="base" hangingPunct="0">
+              <a:spcBef>
+                <a:spcPct val="20000"/>
+              </a:spcBef>
+              <a:spcAft>
+                <a:spcPct val="0"/>
+              </a:spcAft>
+              <a:buFont typeface="微軟正黑體" pitchFamily="34" charset="-120"/>
+              <a:buChar char="»"/>
+            </a:pPr>
+            <a:r>
+              <a:rPr lang="en-US" altLang="zh-TW" sz="2560" dirty="0" smtClean="0">
+                <a:solidFill>
+                  <a:srgbClr val="000000"/>
+                </a:solidFill>
+                <a:latin typeface="Arial" charset="0"/>
+                <a:ea typeface="SimSun" pitchFamily="2" charset="-122"/>
+              </a:rPr>
+              <a:t>https</a:t>
+            </a:r>
+            <a:r>
+              <a:rPr lang="en-US" altLang="zh-TW" sz="2560" dirty="0">
+                <a:solidFill>
+                  <a:srgbClr val="000000"/>
+                </a:solidFill>
+                <a:latin typeface="Arial" charset="0"/>
+                <a:ea typeface="SimSun" pitchFamily="2" charset="-122"/>
+              </a:rPr>
+              <a:t>://kbroman.org/github_tutorial/pages/init.html</a:t>
+            </a:r>
+            <a:endParaRPr lang="en-US" altLang="zh-TW" sz="2560" dirty="0">
+              <a:solidFill>
+                <a:srgbClr val="000000"/>
+              </a:solidFill>
+              <a:latin typeface="Arial" charset="0"/>
+              <a:ea typeface="SimSun" pitchFamily="2" charset="-122"/>
+            </a:endParaRPr>
+          </a:p>
+        </p:txBody>
+      </p:sp>
+    </p:spTree>
+    <p:extLst>
+      <p:ext uri="{BB962C8B-B14F-4D97-AF65-F5344CB8AC3E}">
+        <p14:creationId xmlns:p14="http://schemas.microsoft.com/office/powerpoint/2010/main" val="4057163459"/>
+      </p:ext>
+    </p:extLst>
   </p:cSld>
   <p:clrMapOvr>
     <a:masterClrMapping/>

--- a/Docker進階.pptx
+++ b/Docker進階.pptx
@@ -6,7 +6,7 @@
     <p:sldMasterId id="2147483666" r:id="rId2"/>
   </p:sldMasterIdLst>
   <p:notesMasterIdLst>
-    <p:notesMasterId r:id="rId14"/>
+    <p:notesMasterId r:id="rId15"/>
   </p:notesMasterIdLst>
   <p:sldIdLst>
     <p:sldId id="256" r:id="rId3"/>
@@ -20,6 +20,7 @@
     <p:sldId id="360" r:id="rId11"/>
     <p:sldId id="361" r:id="rId12"/>
     <p:sldId id="362" r:id="rId13"/>
+    <p:sldId id="363" r:id="rId14"/>
   </p:sldIdLst>
   <p:sldSz cx="13004800" cy="9753600"/>
   <p:notesSz cx="13004800" cy="9753600"/>
@@ -646,6 +647,90 @@
     <p:extLst>
       <p:ext uri="{BB962C8B-B14F-4D97-AF65-F5344CB8AC3E}">
         <p14:creationId xmlns:p14="http://schemas.microsoft.com/office/powerpoint/2010/main" val="2322893613"/>
+      </p:ext>
+    </p:extLst>
+  </p:cSld>
+  <p:clrMapOvr>
+    <a:masterClrMapping/>
+  </p:clrMapOvr>
+</p:notes>
+</file>
+
+<file path=ppt/notesSlides/notesSlide11.xml><?xml version="1.0" encoding="utf-8"?>
+<p:notes xmlns:a="http://schemas.openxmlformats.org/drawingml/2006/main" xmlns:r="http://schemas.openxmlformats.org/officeDocument/2006/relationships" xmlns:p="http://schemas.openxmlformats.org/presentationml/2006/main">
+  <p:cSld>
+    <p:spTree>
+      <p:nvGrpSpPr>
+        <p:cNvPr id="1" name=""/>
+        <p:cNvGrpSpPr/>
+        <p:nvPr/>
+      </p:nvGrpSpPr>
+      <p:grpSpPr>
+        <a:xfrm>
+          <a:off x="0" y="0"/>
+          <a:ext cx="0" cy="0"/>
+          <a:chOff x="0" y="0"/>
+          <a:chExt cx="0" cy="0"/>
+        </a:xfrm>
+      </p:grpSpPr>
+      <p:sp>
+        <p:nvSpPr>
+          <p:cNvPr id="2" name="投影片圖像版面配置區 1"/>
+          <p:cNvSpPr>
+            <a:spLocks noGrp="1" noRot="1" noChangeAspect="1"/>
+          </p:cNvSpPr>
+          <p:nvPr>
+            <p:ph type="sldImg"/>
+          </p:nvPr>
+        </p:nvSpPr>
+        <p:spPr/>
+      </p:sp>
+      <p:sp>
+        <p:nvSpPr>
+          <p:cNvPr id="3" name="備忘稿版面配置區 2"/>
+          <p:cNvSpPr>
+            <a:spLocks noGrp="1"/>
+          </p:cNvSpPr>
+          <p:nvPr>
+            <p:ph type="body" idx="1"/>
+          </p:nvPr>
+        </p:nvSpPr>
+        <p:spPr/>
+        <p:txBody>
+          <a:bodyPr/>
+          <a:lstStyle/>
+          <a:p>
+            <a:endParaRPr lang="zh-TW" altLang="en-US" dirty="0"/>
+          </a:p>
+        </p:txBody>
+      </p:sp>
+      <p:sp>
+        <p:nvSpPr>
+          <p:cNvPr id="4" name="投影片編號版面配置區 3"/>
+          <p:cNvSpPr>
+            <a:spLocks noGrp="1"/>
+          </p:cNvSpPr>
+          <p:nvPr>
+            <p:ph type="sldNum" sz="quarter" idx="10"/>
+          </p:nvPr>
+        </p:nvSpPr>
+        <p:spPr/>
+        <p:txBody>
+          <a:bodyPr/>
+          <a:lstStyle/>
+          <a:p>
+            <a:fld id="{762C10F9-1313-4CC6-801B-630A787ADD62}" type="slidenum">
+              <a:rPr lang="zh-TW" altLang="en-US" smtClean="0"/>
+              <a:t>12</a:t>
+            </a:fld>
+            <a:endParaRPr lang="zh-TW" altLang="en-US"/>
+          </a:p>
+        </p:txBody>
+      </p:sp>
+    </p:spTree>
+    <p:extLst>
+      <p:ext uri="{BB962C8B-B14F-4D97-AF65-F5344CB8AC3E}">
+        <p14:creationId xmlns:p14="http://schemas.microsoft.com/office/powerpoint/2010/main" val="2063998772"/>
       </p:ext>
     </p:extLst>
   </p:cSld>
@@ -7111,6 +7196,96 @@
 </p:sld>
 </file>
 
+<file path=ppt/slides/slide12.xml><?xml version="1.0" encoding="utf-8"?>
+<p:sld xmlns:a="http://schemas.openxmlformats.org/drawingml/2006/main" xmlns:r="http://schemas.openxmlformats.org/officeDocument/2006/relationships" xmlns:p="http://schemas.openxmlformats.org/presentationml/2006/main">
+  <p:cSld>
+    <p:spTree>
+      <p:nvGrpSpPr>
+        <p:cNvPr id="1" name=""/>
+        <p:cNvGrpSpPr/>
+        <p:nvPr/>
+      </p:nvGrpSpPr>
+      <p:grpSpPr>
+        <a:xfrm>
+          <a:off x="0" y="0"/>
+          <a:ext cx="0" cy="0"/>
+          <a:chOff x="0" y="0"/>
+          <a:chExt cx="0" cy="0"/>
+        </a:xfrm>
+      </p:grpSpPr>
+      <p:sp>
+        <p:nvSpPr>
+          <p:cNvPr id="4" name="object 5"/>
+          <p:cNvSpPr txBox="1">
+            <a:spLocks/>
+          </p:cNvSpPr>
+          <p:nvPr/>
+        </p:nvSpPr>
+        <p:spPr>
+          <a:xfrm>
+            <a:off x="1016000" y="4572000"/>
+            <a:ext cx="11506199" cy="936154"/>
+          </a:xfrm>
+          <a:prstGeom prst="rect">
+            <a:avLst/>
+          </a:prstGeom>
+        </p:spPr>
+        <p:txBody>
+          <a:bodyPr vert="horz" wrap="square" lIns="0" tIns="12700" rIns="0" bIns="0" rtlCol="0">
+            <a:spAutoFit/>
+          </a:bodyPr>
+          <a:lstStyle>
+            <a:lvl1pPr>
+              <a:defRPr sz="2600" b="1" i="0">
+                <a:solidFill>
+                  <a:srgbClr val="0365C0"/>
+                </a:solidFill>
+                <a:latin typeface="Arial"/>
+                <a:ea typeface="+mj-ea"/>
+                <a:cs typeface="Arial"/>
+              </a:defRPr>
+            </a:lvl1pPr>
+          </a:lstStyle>
+          <a:p>
+            <a:pPr marL="38100" algn="ctr">
+              <a:spcBef>
+                <a:spcPts val="100"/>
+              </a:spcBef>
+            </a:pPr>
+            <a:r>
+              <a:rPr lang="en-US" altLang="zh-TW" sz="6000" kern="0" dirty="0" smtClean="0">
+                <a:latin typeface="Microsoft JhengHei"/>
+                <a:cs typeface="Microsoft JhengHei"/>
+              </a:rPr>
+              <a:t>Thank you !</a:t>
+            </a:r>
+            <a:endParaRPr lang="zh-TW" altLang="en-US" sz="6000" kern="0" dirty="0">
+              <a:latin typeface="Microsoft JhengHei"/>
+              <a:cs typeface="Microsoft JhengHei"/>
+            </a:endParaRPr>
+          </a:p>
+        </p:txBody>
+      </p:sp>
+    </p:spTree>
+    <p:extLst>
+      <p:ext uri="{BB962C8B-B14F-4D97-AF65-F5344CB8AC3E}">
+        <p14:creationId xmlns:p14="http://schemas.microsoft.com/office/powerpoint/2010/main" val="2513626653"/>
+      </p:ext>
+    </p:extLst>
+  </p:cSld>
+  <p:clrMapOvr>
+    <a:masterClrMapping/>
+  </p:clrMapOvr>
+  <p:timing>
+    <p:tnLst>
+      <p:par>
+        <p:cTn id="1" dur="indefinite" restart="never" nodeType="tmRoot"/>
+      </p:par>
+    </p:tnLst>
+  </p:timing>
+</p:sld>
+</file>
+
 <file path=ppt/slides/slide2.xml><?xml version="1.0" encoding="utf-8"?>
 <p:sld xmlns:a="http://schemas.openxmlformats.org/drawingml/2006/main" xmlns:r="http://schemas.openxmlformats.org/officeDocument/2006/relationships" xmlns:p="http://schemas.openxmlformats.org/presentationml/2006/main">
   <p:cSld>
@@ -8252,13 +8427,6 @@
               </a:rPr>
               <a:t>https://github.com/shwang1a/OpenAPI</a:t>
             </a:r>
-            <a:endParaRPr lang="en-US" altLang="zh-TW" sz="2560" dirty="0">
-              <a:solidFill>
-                <a:srgbClr val="000000"/>
-              </a:solidFill>
-              <a:latin typeface="Arial" charset="0"/>
-              <a:ea typeface="SimSun" pitchFamily="2" charset="-122"/>
-            </a:endParaRPr>
           </a:p>
         </p:txBody>
       </p:sp>
@@ -9214,7 +9382,6 @@
               <a:rPr lang="en-US" altLang="zh-TW" sz="4000" dirty="0"/>
               <a:t>extension</a:t>
             </a:r>
-            <a:endParaRPr lang="en-US" altLang="zh-TW" sz="4000" dirty="0"/>
           </a:p>
           <a:p>
             <a:pPr marL="1137902" lvl="2" indent="-487672" defTabSz="1300460" eaLnBrk="0" fontAlgn="base" hangingPunct="0">
@@ -9312,17 +9479,7 @@
                 <a:latin typeface="Arial" charset="0"/>
                 <a:ea typeface="SimSun" pitchFamily="2" charset="-122"/>
               </a:rPr>
-              <a:t>https</a:t>
-            </a:r>
-            <a:r>
-              <a:rPr lang="en-US" altLang="zh-TW" sz="2560" dirty="0">
-                <a:solidFill>
-                  <a:srgbClr val="000000"/>
-                </a:solidFill>
-                <a:latin typeface="Arial" charset="0"/>
-                <a:ea typeface="SimSun" pitchFamily="2" charset="-122"/>
-              </a:rPr>
-              <a:t>://marketplace.visualstudio.com/items?itemName=boukichi.git-exclude</a:t>
+              <a:t>https://marketplace.visualstudio.com/items?itemName=boukichi.git-exclude</a:t>
             </a:r>
           </a:p>
           <a:p>
@@ -9338,11 +9495,7 @@
             </a:pPr>
             <a:r>
               <a:rPr lang="en-US" altLang="zh-TW" sz="4000" dirty="0"/>
-              <a:t> </a:t>
-            </a:r>
-            <a:r>
-              <a:rPr lang="en-US" altLang="zh-TW" sz="4000" dirty="0"/>
-              <a:t>Start a new </a:t>
+              <a:t> Start a new </a:t>
             </a:r>
             <a:r>
               <a:rPr lang="en-US" altLang="zh-TW" sz="4000" dirty="0" err="1"/>
@@ -9384,13 +9537,6 @@
               </a:rPr>
               <a:t>://kbroman.org/github_tutorial/pages/init.html</a:t>
             </a:r>
-            <a:endParaRPr lang="en-US" altLang="zh-TW" sz="2560" dirty="0">
-              <a:solidFill>
-                <a:srgbClr val="000000"/>
-              </a:solidFill>
-              <a:latin typeface="Arial" charset="0"/>
-              <a:ea typeface="SimSun" pitchFamily="2" charset="-122"/>
-            </a:endParaRPr>
           </a:p>
         </p:txBody>
       </p:sp>

--- a/Docker進階.pptx
+++ b/Docker進階.pptx
@@ -7018,6 +7018,30 @@
           </a:prstGeom>
         </p:spPr>
       </p:pic>
+      <p:pic>
+        <p:nvPicPr>
+          <p:cNvPr id="3" name="圖片 2"/>
+          <p:cNvPicPr>
+            <a:picLocks noChangeAspect="1"/>
+          </p:cNvPicPr>
+          <p:nvPr/>
+        </p:nvPicPr>
+        <p:blipFill>
+          <a:blip r:embed="rId6"/>
+          <a:stretch>
+            <a:fillRect/>
+          </a:stretch>
+        </p:blipFill>
+        <p:spPr>
+          <a:xfrm>
+            <a:off x="1291576" y="2211020"/>
+            <a:ext cx="10982325" cy="7029450"/>
+          </a:xfrm>
+          <a:prstGeom prst="rect">
+            <a:avLst/>
+          </a:prstGeom>
+        </p:spPr>
+      </p:pic>
     </p:spTree>
     <p:extLst>
       <p:ext uri="{BB962C8B-B14F-4D97-AF65-F5344CB8AC3E}">
@@ -7162,6 +7186,59 @@
                                         <p:strVal val="visible"/>
                                       </p:to>
                                     </p:set>
+                                  </p:childTnLst>
+                                </p:cTn>
+                              </p:par>
+                            </p:childTnLst>
+                          </p:cTn>
+                        </p:par>
+                      </p:childTnLst>
+                    </p:cTn>
+                  </p:par>
+                  <p:par>
+                    <p:cTn id="15" fill="hold">
+                      <p:stCondLst>
+                        <p:cond delay="indefinite"/>
+                      </p:stCondLst>
+                      <p:childTnLst>
+                        <p:par>
+                          <p:cTn id="16" fill="hold">
+                            <p:stCondLst>
+                              <p:cond delay="0"/>
+                            </p:stCondLst>
+                            <p:childTnLst>
+                              <p:par>
+                                <p:cTn id="17" presetID="10" presetClass="entr" presetSubtype="0" fill="hold" nodeType="clickEffect">
+                                  <p:stCondLst>
+                                    <p:cond delay="0"/>
+                                  </p:stCondLst>
+                                  <p:childTnLst>
+                                    <p:set>
+                                      <p:cBhvr>
+                                        <p:cTn id="18" dur="1" fill="hold">
+                                          <p:stCondLst>
+                                            <p:cond delay="0"/>
+                                          </p:stCondLst>
+                                        </p:cTn>
+                                        <p:tgtEl>
+                                          <p:spTgt spid="3"/>
+                                        </p:tgtEl>
+                                        <p:attrNameLst>
+                                          <p:attrName>style.visibility</p:attrName>
+                                        </p:attrNameLst>
+                                      </p:cBhvr>
+                                      <p:to>
+                                        <p:strVal val="visible"/>
+                                      </p:to>
+                                    </p:set>
+                                    <p:animEffect transition="in" filter="fade">
+                                      <p:cBhvr>
+                                        <p:cTn id="19" dur="500"/>
+                                        <p:tgtEl>
+                                          <p:spTgt spid="3"/>
+                                        </p:tgtEl>
+                                      </p:cBhvr>
+                                    </p:animEffect>
                                   </p:childTnLst>
                                 </p:cTn>
                               </p:par>
